--- a/2024_0625_발표자료.pptx
+++ b/2024_0625_발표자료.pptx
@@ -4,6 +4,9 @@
   <p:sldMasterIdLst>
     <p:sldMasterId id="2147483728" r:id="rId1"/>
   </p:sldMasterIdLst>
+  <p:notesMasterIdLst>
+    <p:notesMasterId r:id="rId23"/>
+  </p:notesMasterIdLst>
   <p:sldIdLst>
     <p:sldId id="256" r:id="rId2"/>
     <p:sldId id="257" r:id="rId3"/>
@@ -15,15 +18,17 @@
     <p:sldId id="276" r:id="rId9"/>
     <p:sldId id="269" r:id="rId10"/>
     <p:sldId id="275" r:id="rId11"/>
-    <p:sldId id="271" r:id="rId12"/>
-    <p:sldId id="259" r:id="rId13"/>
-    <p:sldId id="263" r:id="rId14"/>
-    <p:sldId id="264" r:id="rId15"/>
-    <p:sldId id="261" r:id="rId16"/>
-    <p:sldId id="262" r:id="rId17"/>
-    <p:sldId id="272" r:id="rId18"/>
-    <p:sldId id="273" r:id="rId19"/>
-    <p:sldId id="274" r:id="rId20"/>
+    <p:sldId id="277" r:id="rId12"/>
+    <p:sldId id="278" r:id="rId13"/>
+    <p:sldId id="271" r:id="rId14"/>
+    <p:sldId id="259" r:id="rId15"/>
+    <p:sldId id="263" r:id="rId16"/>
+    <p:sldId id="264" r:id="rId17"/>
+    <p:sldId id="261" r:id="rId18"/>
+    <p:sldId id="262" r:id="rId19"/>
+    <p:sldId id="272" r:id="rId20"/>
+    <p:sldId id="273" r:id="rId21"/>
+    <p:sldId id="274" r:id="rId22"/>
   </p:sldIdLst>
   <p:sldSz cx="9144000" cy="6858000" type="screen4x3"/>
   <p:notesSz cx="6858000" cy="9144000"/>
@@ -122,7 +127,456 @@
       </a:defRPr>
     </a:lvl9pPr>
   </p:defaultTextStyle>
+  <p:extLst>
+    <p:ext uri="{EFAFB233-063F-42B5-8137-9DF3F51BA10A}">
+      <p15:sldGuideLst xmlns:p15="http://schemas.microsoft.com/office/powerpoint/2012/main">
+        <p15:guide id="1" orient="horz" pos="2158">
+          <p15:clr>
+            <a:srgbClr val="A4A3A4"/>
+          </p15:clr>
+        </p15:guide>
+        <p15:guide id="2" pos="2878">
+          <p15:clr>
+            <a:srgbClr val="A4A3A4"/>
+          </p15:clr>
+        </p15:guide>
+      </p15:sldGuideLst>
+    </p:ext>
+  </p:extLst>
 </p:presentation>
+</file>
+
+<file path=ppt/notesMasters/notesMaster1.xml><?xml version="1.0" encoding="utf-8"?>
+<p:notesMaster xmlns:a="http://schemas.openxmlformats.org/drawingml/2006/main" xmlns:r="http://schemas.openxmlformats.org/officeDocument/2006/relationships" xmlns:p="http://schemas.openxmlformats.org/presentationml/2006/main">
+  <p:cSld>
+    <p:bg>
+      <p:bgRef idx="1001">
+        <a:schemeClr val="bg1"/>
+      </p:bgRef>
+    </p:bg>
+    <p:spTree>
+      <p:nvGrpSpPr>
+        <p:cNvPr id="1" name=""/>
+        <p:cNvGrpSpPr/>
+        <p:nvPr/>
+      </p:nvGrpSpPr>
+      <p:grpSpPr>
+        <a:xfrm>
+          <a:off x="0" y="0"/>
+          <a:ext cx="0" cy="0"/>
+          <a:chOff x="0" y="0"/>
+          <a:chExt cx="0" cy="0"/>
+        </a:xfrm>
+      </p:grpSpPr>
+      <p:sp>
+        <p:nvSpPr>
+          <p:cNvPr id="2" name="머리글 개체 틀 1"/>
+          <p:cNvSpPr>
+            <a:spLocks noGrp="1"/>
+          </p:cNvSpPr>
+          <p:nvPr>
+            <p:ph type="hdr" sz="quarter"/>
+          </p:nvPr>
+        </p:nvSpPr>
+        <p:spPr>
+          <a:xfrm>
+            <a:off x="0" y="0"/>
+            <a:ext cx="2971800" cy="458788"/>
+          </a:xfrm>
+          <a:prstGeom prst="rect">
+            <a:avLst/>
+          </a:prstGeom>
+        </p:spPr>
+        <p:txBody>
+          <a:bodyPr vert="horz" lIns="91440" tIns="45720" rIns="91440" bIns="45720" rtlCol="0"/>
+          <a:lstStyle>
+            <a:lvl1pPr algn="l">
+              <a:defRPr sz="1200"/>
+            </a:lvl1pPr>
+          </a:lstStyle>
+          <a:p>
+            <a:endParaRPr lang="ko-KR" altLang="en-US"/>
+          </a:p>
+        </p:txBody>
+      </p:sp>
+      <p:sp>
+        <p:nvSpPr>
+          <p:cNvPr id="3" name="날짜 개체 틀 2"/>
+          <p:cNvSpPr>
+            <a:spLocks noGrp="1"/>
+          </p:cNvSpPr>
+          <p:nvPr>
+            <p:ph type="dt" idx="1"/>
+          </p:nvPr>
+        </p:nvSpPr>
+        <p:spPr>
+          <a:xfrm>
+            <a:off x="3884613" y="0"/>
+            <a:ext cx="2971800" cy="458788"/>
+          </a:xfrm>
+          <a:prstGeom prst="rect">
+            <a:avLst/>
+          </a:prstGeom>
+        </p:spPr>
+        <p:txBody>
+          <a:bodyPr vert="horz" lIns="91440" tIns="45720" rIns="91440" bIns="45720" rtlCol="0"/>
+          <a:lstStyle>
+            <a:lvl1pPr algn="r">
+              <a:defRPr sz="1200"/>
+            </a:lvl1pPr>
+          </a:lstStyle>
+          <a:p>
+            <a:fld id="{C17AE45E-59D8-4E1D-9947-A73B3019E287}" type="datetimeFigureOut">
+              <a:rPr lang="ko-KR" altLang="en-US" smtClean="0"/>
+              <a:t>2024-06-25</a:t>
+            </a:fld>
+            <a:endParaRPr lang="ko-KR" altLang="en-US"/>
+          </a:p>
+        </p:txBody>
+      </p:sp>
+      <p:sp>
+        <p:nvSpPr>
+          <p:cNvPr id="4" name="슬라이드 이미지 개체 틀 3"/>
+          <p:cNvSpPr>
+            <a:spLocks noGrp="1" noRot="1" noChangeAspect="1"/>
+          </p:cNvSpPr>
+          <p:nvPr>
+            <p:ph type="sldImg" idx="2"/>
+          </p:nvPr>
+        </p:nvSpPr>
+        <p:spPr>
+          <a:xfrm>
+            <a:off x="1371600" y="1143000"/>
+            <a:ext cx="4114800" cy="3086100"/>
+          </a:xfrm>
+          <a:prstGeom prst="rect">
+            <a:avLst/>
+          </a:prstGeom>
+          <a:noFill/>
+          <a:ln w="12700">
+            <a:solidFill>
+              <a:prstClr val="black"/>
+            </a:solidFill>
+          </a:ln>
+        </p:spPr>
+        <p:txBody>
+          <a:bodyPr vert="horz" lIns="91440" tIns="45720" rIns="91440" bIns="45720" rtlCol="0" anchor="ctr"/>
+          <a:lstStyle/>
+          <a:p>
+            <a:endParaRPr lang="ko-KR" altLang="en-US"/>
+          </a:p>
+        </p:txBody>
+      </p:sp>
+      <p:sp>
+        <p:nvSpPr>
+          <p:cNvPr id="5" name="슬라이드 노트 개체 틀 4"/>
+          <p:cNvSpPr>
+            <a:spLocks noGrp="1"/>
+          </p:cNvSpPr>
+          <p:nvPr>
+            <p:ph type="body" sz="quarter" idx="3"/>
+          </p:nvPr>
+        </p:nvSpPr>
+        <p:spPr>
+          <a:xfrm>
+            <a:off x="685800" y="4400550"/>
+            <a:ext cx="5486400" cy="3600450"/>
+          </a:xfrm>
+          <a:prstGeom prst="rect">
+            <a:avLst/>
+          </a:prstGeom>
+        </p:spPr>
+        <p:txBody>
+          <a:bodyPr vert="horz" lIns="91440" tIns="45720" rIns="91440" bIns="45720" rtlCol="0"/>
+          <a:lstStyle/>
+          <a:p>
+            <a:pPr lvl="0"/>
+            <a:r>
+              <a:rPr lang="ko-KR" altLang="en-US"/>
+              <a:t>마스터 텍스트 스타일 편집</a:t>
+            </a:r>
+          </a:p>
+          <a:p>
+            <a:pPr lvl="1"/>
+            <a:r>
+              <a:rPr lang="ko-KR" altLang="en-US"/>
+              <a:t>둘째 수준</a:t>
+            </a:r>
+          </a:p>
+          <a:p>
+            <a:pPr lvl="2"/>
+            <a:r>
+              <a:rPr lang="ko-KR" altLang="en-US"/>
+              <a:t>셋째 수준</a:t>
+            </a:r>
+          </a:p>
+          <a:p>
+            <a:pPr lvl="3"/>
+            <a:r>
+              <a:rPr lang="ko-KR" altLang="en-US"/>
+              <a:t>넷째 수준</a:t>
+            </a:r>
+          </a:p>
+          <a:p>
+            <a:pPr lvl="4"/>
+            <a:r>
+              <a:rPr lang="ko-KR" altLang="en-US"/>
+              <a:t>다섯째 수준</a:t>
+            </a:r>
+          </a:p>
+        </p:txBody>
+      </p:sp>
+      <p:sp>
+        <p:nvSpPr>
+          <p:cNvPr id="6" name="바닥글 개체 틀 5"/>
+          <p:cNvSpPr>
+            <a:spLocks noGrp="1"/>
+          </p:cNvSpPr>
+          <p:nvPr>
+            <p:ph type="ftr" sz="quarter" idx="4"/>
+          </p:nvPr>
+        </p:nvSpPr>
+        <p:spPr>
+          <a:xfrm>
+            <a:off x="0" y="8685213"/>
+            <a:ext cx="2971800" cy="458787"/>
+          </a:xfrm>
+          <a:prstGeom prst="rect">
+            <a:avLst/>
+          </a:prstGeom>
+        </p:spPr>
+        <p:txBody>
+          <a:bodyPr vert="horz" lIns="91440" tIns="45720" rIns="91440" bIns="45720" rtlCol="0" anchor="b"/>
+          <a:lstStyle>
+            <a:lvl1pPr algn="l">
+              <a:defRPr sz="1200"/>
+            </a:lvl1pPr>
+          </a:lstStyle>
+          <a:p>
+            <a:endParaRPr lang="ko-KR" altLang="en-US"/>
+          </a:p>
+        </p:txBody>
+      </p:sp>
+      <p:sp>
+        <p:nvSpPr>
+          <p:cNvPr id="7" name="슬라이드 번호 개체 틀 6"/>
+          <p:cNvSpPr>
+            <a:spLocks noGrp="1"/>
+          </p:cNvSpPr>
+          <p:nvPr>
+            <p:ph type="sldNum" sz="quarter" idx="5"/>
+          </p:nvPr>
+        </p:nvSpPr>
+        <p:spPr>
+          <a:xfrm>
+            <a:off x="3884613" y="8685213"/>
+            <a:ext cx="2971800" cy="458787"/>
+          </a:xfrm>
+          <a:prstGeom prst="rect">
+            <a:avLst/>
+          </a:prstGeom>
+        </p:spPr>
+        <p:txBody>
+          <a:bodyPr vert="horz" lIns="91440" tIns="45720" rIns="91440" bIns="45720" rtlCol="0" anchor="b"/>
+          <a:lstStyle>
+            <a:lvl1pPr algn="r">
+              <a:defRPr sz="1200"/>
+            </a:lvl1pPr>
+          </a:lstStyle>
+          <a:p>
+            <a:fld id="{39EF3173-2943-4F9A-A98B-944022A956EB}" type="slidenum">
+              <a:rPr lang="ko-KR" altLang="en-US" smtClean="0"/>
+              <a:t>‹#›</a:t>
+            </a:fld>
+            <a:endParaRPr lang="ko-KR" altLang="en-US"/>
+          </a:p>
+        </p:txBody>
+      </p:sp>
+    </p:spTree>
+    <p:extLst>
+      <p:ext uri="{BB962C8B-B14F-4D97-AF65-F5344CB8AC3E}">
+        <p14:creationId xmlns:p14="http://schemas.microsoft.com/office/powerpoint/2010/main" val="4206194159"/>
+      </p:ext>
+    </p:extLst>
+  </p:cSld>
+  <p:clrMap bg1="lt1" tx1="dk1" bg2="lt2" tx2="dk2" accent1="accent1" accent2="accent2" accent3="accent3" accent4="accent4" accent5="accent5" accent6="accent6" hlink="hlink" folHlink="folHlink"/>
+  <p:notesStyle>
+    <a:lvl1pPr marL="0" algn="l" defTabSz="914400" rtl="0" eaLnBrk="1" latinLnBrk="1" hangingPunct="1">
+      <a:defRPr sz="1200" kern="1200">
+        <a:solidFill>
+          <a:schemeClr val="tx1"/>
+        </a:solidFill>
+        <a:latin typeface="+mn-lt"/>
+        <a:ea typeface="+mn-ea"/>
+        <a:cs typeface="+mn-cs"/>
+      </a:defRPr>
+    </a:lvl1pPr>
+    <a:lvl2pPr marL="457200" algn="l" defTabSz="914400" rtl="0" eaLnBrk="1" latinLnBrk="1" hangingPunct="1">
+      <a:defRPr sz="1200" kern="1200">
+        <a:solidFill>
+          <a:schemeClr val="tx1"/>
+        </a:solidFill>
+        <a:latin typeface="+mn-lt"/>
+        <a:ea typeface="+mn-ea"/>
+        <a:cs typeface="+mn-cs"/>
+      </a:defRPr>
+    </a:lvl2pPr>
+    <a:lvl3pPr marL="914400" algn="l" defTabSz="914400" rtl="0" eaLnBrk="1" latinLnBrk="1" hangingPunct="1">
+      <a:defRPr sz="1200" kern="1200">
+        <a:solidFill>
+          <a:schemeClr val="tx1"/>
+        </a:solidFill>
+        <a:latin typeface="+mn-lt"/>
+        <a:ea typeface="+mn-ea"/>
+        <a:cs typeface="+mn-cs"/>
+      </a:defRPr>
+    </a:lvl3pPr>
+    <a:lvl4pPr marL="1371600" algn="l" defTabSz="914400" rtl="0" eaLnBrk="1" latinLnBrk="1" hangingPunct="1">
+      <a:defRPr sz="1200" kern="1200">
+        <a:solidFill>
+          <a:schemeClr val="tx1"/>
+        </a:solidFill>
+        <a:latin typeface="+mn-lt"/>
+        <a:ea typeface="+mn-ea"/>
+        <a:cs typeface="+mn-cs"/>
+      </a:defRPr>
+    </a:lvl4pPr>
+    <a:lvl5pPr marL="1828800" algn="l" defTabSz="914400" rtl="0" eaLnBrk="1" latinLnBrk="1" hangingPunct="1">
+      <a:defRPr sz="1200" kern="1200">
+        <a:solidFill>
+          <a:schemeClr val="tx1"/>
+        </a:solidFill>
+        <a:latin typeface="+mn-lt"/>
+        <a:ea typeface="+mn-ea"/>
+        <a:cs typeface="+mn-cs"/>
+      </a:defRPr>
+    </a:lvl5pPr>
+    <a:lvl6pPr marL="2286000" algn="l" defTabSz="914400" rtl="0" eaLnBrk="1" latinLnBrk="1" hangingPunct="1">
+      <a:defRPr sz="1200" kern="1200">
+        <a:solidFill>
+          <a:schemeClr val="tx1"/>
+        </a:solidFill>
+        <a:latin typeface="+mn-lt"/>
+        <a:ea typeface="+mn-ea"/>
+        <a:cs typeface="+mn-cs"/>
+      </a:defRPr>
+    </a:lvl6pPr>
+    <a:lvl7pPr marL="2743200" algn="l" defTabSz="914400" rtl="0" eaLnBrk="1" latinLnBrk="1" hangingPunct="1">
+      <a:defRPr sz="1200" kern="1200">
+        <a:solidFill>
+          <a:schemeClr val="tx1"/>
+        </a:solidFill>
+        <a:latin typeface="+mn-lt"/>
+        <a:ea typeface="+mn-ea"/>
+        <a:cs typeface="+mn-cs"/>
+      </a:defRPr>
+    </a:lvl7pPr>
+    <a:lvl8pPr marL="3200400" algn="l" defTabSz="914400" rtl="0" eaLnBrk="1" latinLnBrk="1" hangingPunct="1">
+      <a:defRPr sz="1200" kern="1200">
+        <a:solidFill>
+          <a:schemeClr val="tx1"/>
+        </a:solidFill>
+        <a:latin typeface="+mn-lt"/>
+        <a:ea typeface="+mn-ea"/>
+        <a:cs typeface="+mn-cs"/>
+      </a:defRPr>
+    </a:lvl8pPr>
+    <a:lvl9pPr marL="3657600" algn="l" defTabSz="914400" rtl="0" eaLnBrk="1" latinLnBrk="1" hangingPunct="1">
+      <a:defRPr sz="1200" kern="1200">
+        <a:solidFill>
+          <a:schemeClr val="tx1"/>
+        </a:solidFill>
+        <a:latin typeface="+mn-lt"/>
+        <a:ea typeface="+mn-ea"/>
+        <a:cs typeface="+mn-cs"/>
+      </a:defRPr>
+    </a:lvl9pPr>
+  </p:notesStyle>
+</p:notesMaster>
+</file>
+
+<file path=ppt/notesSlides/notesSlide1.xml><?xml version="1.0" encoding="utf-8"?>
+<p:notes xmlns:a="http://schemas.openxmlformats.org/drawingml/2006/main" xmlns:r="http://schemas.openxmlformats.org/officeDocument/2006/relationships" xmlns:p="http://schemas.openxmlformats.org/presentationml/2006/main">
+  <p:cSld>
+    <p:spTree>
+      <p:nvGrpSpPr>
+        <p:cNvPr id="1" name=""/>
+        <p:cNvGrpSpPr/>
+        <p:nvPr/>
+      </p:nvGrpSpPr>
+      <p:grpSpPr>
+        <a:xfrm>
+          <a:off x="0" y="0"/>
+          <a:ext cx="0" cy="0"/>
+          <a:chOff x="0" y="0"/>
+          <a:chExt cx="0" cy="0"/>
+        </a:xfrm>
+      </p:grpSpPr>
+      <p:sp>
+        <p:nvSpPr>
+          <p:cNvPr id="2" name="슬라이드 이미지 개체 틀 1"/>
+          <p:cNvSpPr>
+            <a:spLocks noGrp="1" noRot="1" noChangeAspect="1"/>
+          </p:cNvSpPr>
+          <p:nvPr>
+            <p:ph type="sldImg"/>
+          </p:nvPr>
+        </p:nvSpPr>
+        <p:spPr/>
+      </p:sp>
+      <p:sp>
+        <p:nvSpPr>
+          <p:cNvPr id="3" name="슬라이드 노트 개체 틀 2"/>
+          <p:cNvSpPr>
+            <a:spLocks noGrp="1"/>
+          </p:cNvSpPr>
+          <p:nvPr>
+            <p:ph type="body" idx="1"/>
+          </p:nvPr>
+        </p:nvSpPr>
+        <p:spPr/>
+        <p:txBody>
+          <a:bodyPr/>
+          <a:lstStyle/>
+          <a:p>
+            <a:endParaRPr lang="ko-KR" altLang="en-US" dirty="0"/>
+          </a:p>
+        </p:txBody>
+      </p:sp>
+      <p:sp>
+        <p:nvSpPr>
+          <p:cNvPr id="4" name="슬라이드 번호 개체 틀 3"/>
+          <p:cNvSpPr>
+            <a:spLocks noGrp="1"/>
+          </p:cNvSpPr>
+          <p:nvPr>
+            <p:ph type="sldNum" sz="quarter" idx="10"/>
+          </p:nvPr>
+        </p:nvSpPr>
+        <p:spPr/>
+        <p:txBody>
+          <a:bodyPr/>
+          <a:lstStyle/>
+          <a:p>
+            <a:fld id="{39EF3173-2943-4F9A-A98B-944022A956EB}" type="slidenum">
+              <a:rPr lang="ko-KR" altLang="en-US" smtClean="0"/>
+              <a:t>1</a:t>
+            </a:fld>
+            <a:endParaRPr lang="ko-KR" altLang="en-US"/>
+          </a:p>
+        </p:txBody>
+      </p:sp>
+    </p:spTree>
+    <p:extLst>
+      <p:ext uri="{BB962C8B-B14F-4D97-AF65-F5344CB8AC3E}">
+        <p14:creationId xmlns:p14="http://schemas.microsoft.com/office/powerpoint/2010/main" val="1631533944"/>
+      </p:ext>
+    </p:extLst>
+  </p:cSld>
+  <p:clrMapOvr>
+    <a:masterClrMapping/>
+  </p:clrMapOvr>
+</p:notes>
 </file>
 
 <file path=ppt/slideLayouts/slideLayout1.xml><?xml version="1.0" encoding="utf-8"?>
@@ -1248,31 +1702,29 @@
               <a:defRPr lang="ko-KR" altLang="en-US"/>
             </a:pPr>
             <a:r>
-              <a:rPr lang="en-US" altLang="ko-KR" dirty="0" err="1" smtClean="0"/>
+              <a:rPr lang="en-US" altLang="ko-KR" dirty="0" err="1"/>
               <a:t>CodeLab</a:t>
             </a:r>
             <a:r>
-              <a:rPr lang="en-US" altLang="ko-KR" dirty="0" smtClean="0"/>
+              <a:rPr lang="en-US" altLang="ko-KR" dirty="0"/>
               <a:t> AICC 1</a:t>
             </a:r>
             <a:r>
-              <a:rPr smtClean="0"/>
               <a:t>기</a:t>
             </a:r>
             <a:r>
-              <a:rPr lang="en-US" altLang="ko-KR" dirty="0" smtClean="0"/>
+              <a:rPr lang="en-US" altLang="ko-KR" dirty="0"/>
               <a:t> </a:t>
             </a:r>
             <a:r>
-              <a:rPr lang="en-US" dirty="0" smtClean="0"/>
+              <a:rPr lang="en-US" dirty="0"/>
               <a:t>4</a:t>
             </a:r>
             <a:r>
-              <a:rPr smtClean="0"/>
               <a:t>차 </a:t>
             </a:r>
             <a:r>
-              <a:rPr lang="en-US" dirty="0" smtClean="0"/>
+              <a:rPr lang="en-US" dirty="0"/>
               <a:t>Project</a:t>
             </a:r>
             <a:endParaRPr lang="ko-KR" altLang="en-US" dirty="0"/>
@@ -1330,24 +1782,32 @@
               <a:t>: </a:t>
             </a:r>
             <a:r>
-              <a:rPr lang="ko-KR" altLang="en-US" dirty="0" smtClean="0"/>
+              <a:rPr lang="ko-KR" altLang="en-US" dirty="0"/>
               <a:t>정승호</a:t>
             </a:r>
             <a:r>
-              <a:rPr lang="en-US" altLang="ko-KR" dirty="0" smtClean="0"/>
+              <a:rPr lang="en-US" altLang="ko-KR" dirty="0"/>
               <a:t>, </a:t>
             </a:r>
             <a:r>
-              <a:rPr lang="ko-KR" altLang="en-US" dirty="0" smtClean="0"/>
+              <a:rPr lang="ko-KR" altLang="en-US" dirty="0"/>
               <a:t>이정훈</a:t>
             </a:r>
             <a:r>
-              <a:rPr lang="en-US" altLang="ko-KR" dirty="0" smtClean="0"/>
+              <a:rPr lang="en-US" altLang="ko-KR" dirty="0"/>
               <a:t>,</a:t>
             </a:r>
             <a:r>
-              <a:rPr lang="ko-KR" altLang="en-US" dirty="0" smtClean="0"/>
+              <a:rPr lang="ko-KR" altLang="en-US" dirty="0"/>
               <a:t> 김여진</a:t>
+            </a:r>
+            <a:r>
+              <a:rPr lang="en-US" altLang="ko-KR" dirty="0"/>
+              <a:t>, </a:t>
+            </a:r>
+            <a:r>
+              <a:rPr lang="ko-KR" altLang="en-US" dirty="0"/>
+              <a:t>최원호</a:t>
             </a:r>
             <a:endParaRPr lang="en-US" altLang="ko-KR" dirty="0"/>
           </a:p>
@@ -1364,11 +1824,11 @@
   <p:clrMapOvr>
     <a:masterClrMapping/>
   </p:clrMapOvr>
-  <mc:AlternateContent xmlns:mc="http://schemas.openxmlformats.org/markup-compatibility/2006">
-    <mc:Choice xmlns="" xmlns:c="http://schemas.openxmlformats.org/drawingml/2006/chart" xmlns:dgm="http://schemas.openxmlformats.org/drawingml/2006/diagram" xmlns:dsp="http://schemas.microsoft.com/office/drawing/2008/diagram" xmlns:p14="http://schemas.microsoft.com/office/powerpoint/2010/main" Requires="p14">
-      <p:transition xmlns:mc="http://schemas.openxmlformats.org/markup-compatibility/2006" xmlns:p14="http://schemas.microsoft.com/office/powerpoint/2010/main" mc:Ignorable="p14" p14:dur="500"/>
+  <mc:AlternateContent xmlns:mc="http://schemas.openxmlformats.org/markup-compatibility/2006" xmlns:p14="http://schemas.microsoft.com/office/powerpoint/2010/main">
+    <mc:Choice Requires="p14">
+      <p:transition/>
     </mc:Choice>
-    <mc:Fallback>
+    <mc:Fallback xmlns="">
       <p:transition/>
     </mc:Fallback>
   </mc:AlternateContent>
@@ -1419,20 +1879,32 @@
               <a:t>4</a:t>
             </a:r>
             <a:r>
-              <a:rPr smtClean="0"/>
+              <a:rPr dirty="0"/>
               <a:t>.</a:t>
             </a:r>
             <a:r>
-              <a:rPr lang="en-US" dirty="0" smtClean="0"/>
+              <a:rPr lang="en-US" dirty="0"/>
               <a:t>3</a:t>
             </a:r>
             <a:r>
-              <a:rPr lang="en-US" altLang="ko-KR" dirty="0" smtClean="0"/>
+              <a:rPr lang="en-US" altLang="ko-KR" dirty="0"/>
               <a:t>. React – </a:t>
             </a:r>
             <a:r>
-              <a:rPr smtClean="0"/>
-              <a:t>입력용 모달 컴퍼넌트</a:t>
+              <a:rPr dirty="0"/>
+              <a:t>입력용 </a:t>
+            </a:r>
+            <a:r>
+              <a:rPr dirty="0" err="1"/>
+              <a:t>모달</a:t>
+            </a:r>
+            <a:r>
+              <a:rPr dirty="0"/>
+              <a:t> </a:t>
+            </a:r>
+            <a:r>
+              <a:rPr dirty="0" err="1"/>
+              <a:t>컴퍼넌트</a:t>
             </a:r>
             <a:endParaRPr lang="ko-KR" altLang="en-US" dirty="0"/>
           </a:p>
@@ -1461,30 +1933,29 @@
           <a:lstStyle/>
           <a:p>
             <a:r>
-              <a:rPr lang="ko-KR" altLang="en-US" dirty="0" smtClean="0"/>
+              <a:rPr lang="ko-KR" altLang="en-US" dirty="0"/>
               <a:t>데이터 입력용 </a:t>
             </a:r>
             <a:r>
-              <a:rPr lang="ko-KR" altLang="en-US" dirty="0" err="1" smtClean="0"/>
+              <a:rPr lang="ko-KR" altLang="en-US" dirty="0" err="1"/>
               <a:t>모달</a:t>
             </a:r>
             <a:r>
-              <a:rPr lang="ko-KR" altLang="en-US" dirty="0" smtClean="0"/>
+              <a:rPr lang="ko-KR" altLang="en-US" dirty="0"/>
               <a:t> 컴포넌트 </a:t>
             </a:r>
             <a:r>
-              <a:rPr lang="ko-KR" altLang="en-US" dirty="0" err="1" smtClean="0"/>
+              <a:rPr lang="ko-KR" altLang="en-US" dirty="0" err="1"/>
               <a:t>재작</a:t>
             </a:r>
             <a:r>
-              <a:rPr lang="en-US" altLang="ko-KR" dirty="0" smtClean="0"/>
+              <a:rPr lang="en-US" altLang="ko-KR" dirty="0"/>
               <a:t> </a:t>
             </a:r>
             <a:r>
-              <a:rPr lang="ko-KR" altLang="en-US" dirty="0" smtClean="0"/>
+              <a:rPr lang="ko-KR" altLang="en-US" dirty="0"/>
               <a:t>및 사용</a:t>
             </a:r>
-            <a:endParaRPr lang="ko-KR" altLang="en-US" dirty="0"/>
           </a:p>
         </p:txBody>
       </p:sp>
@@ -1597,6 +2068,693 @@
 </file>
 
 <file path=ppt/slides/slide11.xml><?xml version="1.0" encoding="utf-8"?>
+<p:sld xmlns:a="http://schemas.openxmlformats.org/drawingml/2006/main" xmlns:r="http://schemas.openxmlformats.org/officeDocument/2006/relationships" xmlns:p="http://schemas.openxmlformats.org/presentationml/2006/main">
+  <p:cSld>
+    <p:spTree>
+      <p:nvGrpSpPr>
+        <p:cNvPr id="1" name=""/>
+        <p:cNvGrpSpPr/>
+        <p:nvPr/>
+      </p:nvGrpSpPr>
+      <p:grpSpPr>
+        <a:xfrm>
+          <a:off x="0" y="0"/>
+          <a:ext cx="0" cy="0"/>
+          <a:chOff x="0" y="0"/>
+          <a:chExt cx="0" cy="0"/>
+        </a:xfrm>
+      </p:grpSpPr>
+      <p:sp>
+        <p:nvSpPr>
+          <p:cNvPr id="2" name="제목 1">
+            <a:extLst>
+              <a:ext uri="{FF2B5EF4-FFF2-40B4-BE49-F238E27FC236}">
+                <a16:creationId xmlns:a16="http://schemas.microsoft.com/office/drawing/2014/main" id="{ABE304FF-D277-4442-8C3A-09D8CAD86196}"/>
+              </a:ext>
+            </a:extLst>
+          </p:cNvPr>
+          <p:cNvSpPr>
+            <a:spLocks noGrp="1"/>
+          </p:cNvSpPr>
+          <p:nvPr>
+            <p:ph type="title"/>
+          </p:nvPr>
+        </p:nvSpPr>
+        <p:spPr>
+          <a:xfrm>
+            <a:off x="457200" y="142852"/>
+            <a:ext cx="8229600" cy="654033"/>
+          </a:xfrm>
+        </p:spPr>
+        <p:txBody>
+          <a:bodyPr/>
+          <a:lstStyle/>
+          <a:p>
+            <a:r>
+              <a:rPr lang="en-US" altLang="ko-KR" dirty="0"/>
+              <a:t>4.4. </a:t>
+            </a:r>
+            <a:r>
+              <a:rPr lang="ko-KR" altLang="en-US" dirty="0"/>
+              <a:t>환경변수 </a:t>
+            </a:r>
+            <a:r>
+              <a:rPr lang="en-US" altLang="ko-KR" dirty="0"/>
+              <a:t>- </a:t>
+            </a:r>
+            <a:r>
+              <a:rPr lang="ko-KR" altLang="en-US" dirty="0"/>
+              <a:t>설정 예시</a:t>
+            </a:r>
+          </a:p>
+        </p:txBody>
+      </p:sp>
+      <p:pic>
+        <p:nvPicPr>
+          <p:cNvPr id="4" name="그림 3">
+            <a:extLst>
+              <a:ext uri="{FF2B5EF4-FFF2-40B4-BE49-F238E27FC236}">
+                <a16:creationId xmlns:a16="http://schemas.microsoft.com/office/drawing/2014/main" id="{14906AED-508B-4464-8D8D-9C2CDF50583C}"/>
+              </a:ext>
+            </a:extLst>
+          </p:cNvPr>
+          <p:cNvPicPr>
+            <a:picLocks noChangeAspect="1"/>
+          </p:cNvPicPr>
+          <p:nvPr/>
+        </p:nvPicPr>
+        <p:blipFill>
+          <a:blip r:embed="rId2"/>
+          <a:stretch>
+            <a:fillRect/>
+          </a:stretch>
+        </p:blipFill>
+        <p:spPr>
+          <a:xfrm>
+            <a:off x="1835620" y="1052670"/>
+            <a:ext cx="5688790" cy="5720870"/>
+          </a:xfrm>
+          <a:prstGeom prst="rect">
+            <a:avLst/>
+          </a:prstGeom>
+        </p:spPr>
+      </p:pic>
+    </p:spTree>
+    <p:extLst>
+      <p:ext uri="{BB962C8B-B14F-4D97-AF65-F5344CB8AC3E}">
+        <p14:creationId xmlns:p14="http://schemas.microsoft.com/office/powerpoint/2010/main" val="781633588"/>
+      </p:ext>
+    </p:extLst>
+  </p:cSld>
+  <p:clrMapOvr>
+    <a:masterClrMapping/>
+  </p:clrMapOvr>
+  <p:transition/>
+</p:sld>
+</file>
+
+<file path=ppt/slides/slide12.xml><?xml version="1.0" encoding="utf-8"?>
+<p:sld xmlns:a="http://schemas.openxmlformats.org/drawingml/2006/main" xmlns:r="http://schemas.openxmlformats.org/officeDocument/2006/relationships" xmlns:p="http://schemas.openxmlformats.org/presentationml/2006/main">
+  <p:cSld>
+    <p:spTree>
+      <p:nvGrpSpPr>
+        <p:cNvPr id="1" name=""/>
+        <p:cNvGrpSpPr/>
+        <p:nvPr/>
+      </p:nvGrpSpPr>
+      <p:grpSpPr>
+        <a:xfrm>
+          <a:off x="0" y="0"/>
+          <a:ext cx="0" cy="0"/>
+          <a:chOff x="0" y="0"/>
+          <a:chExt cx="0" cy="0"/>
+        </a:xfrm>
+      </p:grpSpPr>
+      <p:sp>
+        <p:nvSpPr>
+          <p:cNvPr id="2" name="제목 1">
+            <a:extLst>
+              <a:ext uri="{FF2B5EF4-FFF2-40B4-BE49-F238E27FC236}">
+                <a16:creationId xmlns:a16="http://schemas.microsoft.com/office/drawing/2014/main" id="{ABE304FF-D277-4442-8C3A-09D8CAD86196}"/>
+              </a:ext>
+            </a:extLst>
+          </p:cNvPr>
+          <p:cNvSpPr>
+            <a:spLocks noGrp="1"/>
+          </p:cNvSpPr>
+          <p:nvPr>
+            <p:ph type="title"/>
+          </p:nvPr>
+        </p:nvSpPr>
+        <p:spPr>
+          <a:xfrm>
+            <a:off x="457200" y="142852"/>
+            <a:ext cx="8229600" cy="654033"/>
+          </a:xfrm>
+        </p:spPr>
+        <p:txBody>
+          <a:bodyPr/>
+          <a:lstStyle/>
+          <a:p>
+            <a:r>
+              <a:rPr lang="en-US" altLang="ko-KR" dirty="0"/>
+              <a:t>4.4. </a:t>
+            </a:r>
+            <a:r>
+              <a:rPr lang="ko-KR" altLang="en-US" dirty="0"/>
+              <a:t>환경변수 </a:t>
+            </a:r>
+            <a:r>
+              <a:rPr lang="en-US" altLang="ko-KR" dirty="0"/>
+              <a:t>- </a:t>
+            </a:r>
+            <a:r>
+              <a:rPr lang="ko-KR" altLang="en-US" dirty="0"/>
+              <a:t>사용 예시</a:t>
+            </a:r>
+          </a:p>
+        </p:txBody>
+      </p:sp>
+      <p:pic>
+        <p:nvPicPr>
+          <p:cNvPr id="7" name="그림 6">
+            <a:extLst>
+              <a:ext uri="{FF2B5EF4-FFF2-40B4-BE49-F238E27FC236}">
+                <a16:creationId xmlns:a16="http://schemas.microsoft.com/office/drawing/2014/main" id="{AD14A057-B289-4973-9AE8-1E70BE6E122B}"/>
+              </a:ext>
+            </a:extLst>
+          </p:cNvPr>
+          <p:cNvPicPr>
+            <a:picLocks noChangeAspect="1"/>
+          </p:cNvPicPr>
+          <p:nvPr/>
+        </p:nvPicPr>
+        <p:blipFill rotWithShape="1">
+          <a:blip r:embed="rId2"/>
+          <a:srcRect b="5691"/>
+          <a:stretch/>
+        </p:blipFill>
+        <p:spPr>
+          <a:xfrm>
+            <a:off x="179390" y="1699005"/>
+            <a:ext cx="8675794" cy="1513965"/>
+          </a:xfrm>
+          <a:prstGeom prst="rect">
+            <a:avLst/>
+          </a:prstGeom>
+        </p:spPr>
+      </p:pic>
+      <p:pic>
+        <p:nvPicPr>
+          <p:cNvPr id="9" name="그림 8">
+            <a:extLst>
+              <a:ext uri="{FF2B5EF4-FFF2-40B4-BE49-F238E27FC236}">
+                <a16:creationId xmlns:a16="http://schemas.microsoft.com/office/drawing/2014/main" id="{54E05E37-053E-4560-872D-CF38D1763CF1}"/>
+              </a:ext>
+            </a:extLst>
+          </p:cNvPr>
+          <p:cNvPicPr>
+            <a:picLocks noChangeAspect="1"/>
+          </p:cNvPicPr>
+          <p:nvPr/>
+        </p:nvPicPr>
+        <p:blipFill>
+          <a:blip r:embed="rId3"/>
+          <a:stretch>
+            <a:fillRect/>
+          </a:stretch>
+        </p:blipFill>
+        <p:spPr>
+          <a:xfrm>
+            <a:off x="179390" y="4149100"/>
+            <a:ext cx="8675794" cy="2566048"/>
+          </a:xfrm>
+          <a:prstGeom prst="rect">
+            <a:avLst/>
+          </a:prstGeom>
+        </p:spPr>
+      </p:pic>
+      <p:sp>
+        <p:nvSpPr>
+          <p:cNvPr id="12" name="내용 개체 틀 2">
+            <a:extLst>
+              <a:ext uri="{FF2B5EF4-FFF2-40B4-BE49-F238E27FC236}">
+                <a16:creationId xmlns:a16="http://schemas.microsoft.com/office/drawing/2014/main" id="{60623183-3F4F-4491-BBB0-C5535631D189}"/>
+              </a:ext>
+            </a:extLst>
+          </p:cNvPr>
+          <p:cNvSpPr txBox="1">
+            <a:spLocks/>
+          </p:cNvSpPr>
+          <p:nvPr/>
+        </p:nvSpPr>
+        <p:spPr>
+          <a:xfrm>
+            <a:off x="179390" y="1196690"/>
+            <a:ext cx="7777080" cy="654033"/>
+          </a:xfrm>
+          <a:prstGeom prst="rect">
+            <a:avLst/>
+          </a:prstGeom>
+        </p:spPr>
+        <p:txBody>
+          <a:bodyPr vert="horz" lIns="91440" tIns="45720" rIns="91440" bIns="45720">
+            <a:normAutofit/>
+          </a:bodyPr>
+          <a:lstStyle>
+            <a:lvl1pPr marL="266700" indent="-266700" algn="l" defTabSz="914400" rtl="0" eaLnBrk="1" latinLnBrk="1" hangingPunct="1">
+              <a:spcBef>
+                <a:spcPct val="20000"/>
+              </a:spcBef>
+              <a:buClr>
+                <a:schemeClr val="tx1"/>
+              </a:buClr>
+              <a:buFont typeface="Wingdings"/>
+              <a:buChar char="q"/>
+              <a:defRPr sz="2400" kern="1200">
+                <a:solidFill>
+                  <a:schemeClr val="tx1"/>
+                </a:solidFill>
+                <a:latin typeface="+mn-lt"/>
+                <a:ea typeface="+mn-ea"/>
+                <a:cs typeface="+mn-cs"/>
+              </a:defRPr>
+            </a:lvl1pPr>
+            <a:lvl2pPr marL="542925" indent="-276225" algn="l" defTabSz="914400" rtl="0" eaLnBrk="1" latinLnBrk="1" hangingPunct="1">
+              <a:spcBef>
+                <a:spcPct val="20000"/>
+              </a:spcBef>
+              <a:buClr>
+                <a:schemeClr val="tx1"/>
+              </a:buClr>
+              <a:buFont typeface="Wingdings"/>
+              <a:buChar char="q"/>
+              <a:defRPr sz="2000" kern="1200">
+                <a:solidFill>
+                  <a:schemeClr val="tx1"/>
+                </a:solidFill>
+                <a:latin typeface="+mn-lt"/>
+                <a:ea typeface="+mn-ea"/>
+                <a:cs typeface="+mn-cs"/>
+              </a:defRPr>
+            </a:lvl2pPr>
+            <a:lvl3pPr marL="809625" indent="-266700" algn="l" defTabSz="914400" rtl="0" eaLnBrk="1" latinLnBrk="1" hangingPunct="1">
+              <a:spcBef>
+                <a:spcPct val="20000"/>
+              </a:spcBef>
+              <a:buClr>
+                <a:schemeClr val="tx1"/>
+              </a:buClr>
+              <a:buFont typeface="Wingdings"/>
+              <a:buChar char="§"/>
+              <a:defRPr sz="1800" kern="1200">
+                <a:solidFill>
+                  <a:schemeClr val="tx1"/>
+                </a:solidFill>
+                <a:latin typeface="+mn-lt"/>
+                <a:ea typeface="+mn-ea"/>
+                <a:cs typeface="+mn-cs"/>
+              </a:defRPr>
+            </a:lvl3pPr>
+            <a:lvl4pPr marL="1076325" indent="-266700" algn="l" defTabSz="914400" rtl="0" eaLnBrk="1" latinLnBrk="1" hangingPunct="1">
+              <a:spcBef>
+                <a:spcPct val="20000"/>
+              </a:spcBef>
+              <a:buClr>
+                <a:schemeClr val="tx1"/>
+              </a:buClr>
+              <a:buFont typeface="Wingdings"/>
+              <a:buChar char="§"/>
+              <a:defRPr sz="1600" kern="1200">
+                <a:solidFill>
+                  <a:schemeClr val="tx1"/>
+                </a:solidFill>
+                <a:latin typeface="+mn-lt"/>
+                <a:ea typeface="+mn-ea"/>
+                <a:cs typeface="+mn-cs"/>
+              </a:defRPr>
+            </a:lvl4pPr>
+            <a:lvl5pPr marL="1343025" indent="-266700" algn="l" defTabSz="914400" rtl="0" eaLnBrk="1" latinLnBrk="1" hangingPunct="1">
+              <a:spcBef>
+                <a:spcPct val="20000"/>
+              </a:spcBef>
+              <a:buClr>
+                <a:schemeClr val="tx1"/>
+              </a:buClr>
+              <a:buFont typeface="Arial"/>
+              <a:buChar char="•"/>
+              <a:defRPr sz="1600" kern="1200">
+                <a:solidFill>
+                  <a:schemeClr val="tx1"/>
+                </a:solidFill>
+                <a:latin typeface="+mn-lt"/>
+                <a:ea typeface="+mn-ea"/>
+                <a:cs typeface="+mn-cs"/>
+              </a:defRPr>
+            </a:lvl5pPr>
+            <a:lvl6pPr marL="1619250" indent="-276225" algn="l" defTabSz="914400" rtl="0" eaLnBrk="1" latinLnBrk="1" hangingPunct="1">
+              <a:spcBef>
+                <a:spcPct val="20000"/>
+              </a:spcBef>
+              <a:buClr>
+                <a:srgbClr val="353117"/>
+              </a:buClr>
+              <a:buFont typeface="Arial"/>
+              <a:buChar char="•"/>
+              <a:defRPr sz="1600" kern="1200">
+                <a:solidFill>
+                  <a:srgbClr val="353117"/>
+                </a:solidFill>
+                <a:latin typeface="+mn-lt"/>
+                <a:ea typeface="+mn-ea"/>
+                <a:cs typeface="+mn-cs"/>
+              </a:defRPr>
+            </a:lvl6pPr>
+            <a:lvl7pPr marL="1885950" indent="-266700" algn="l" defTabSz="914400" rtl="0" eaLnBrk="1" latinLnBrk="1" hangingPunct="1">
+              <a:spcBef>
+                <a:spcPct val="20000"/>
+              </a:spcBef>
+              <a:buClr>
+                <a:srgbClr val="353117"/>
+              </a:buClr>
+              <a:buFont typeface="Arial"/>
+              <a:buChar char="•"/>
+              <a:defRPr sz="1600" kern="1200">
+                <a:solidFill>
+                  <a:srgbClr val="353117"/>
+                </a:solidFill>
+                <a:latin typeface="+mn-lt"/>
+                <a:ea typeface="+mn-ea"/>
+                <a:cs typeface="+mn-cs"/>
+              </a:defRPr>
+            </a:lvl7pPr>
+            <a:lvl8pPr marL="2152650" indent="-266700" algn="l" defTabSz="914400" rtl="0" eaLnBrk="1" latinLnBrk="1" hangingPunct="1">
+              <a:spcBef>
+                <a:spcPct val="20000"/>
+              </a:spcBef>
+              <a:buClr>
+                <a:srgbClr val="353117"/>
+              </a:buClr>
+              <a:buFont typeface="Arial"/>
+              <a:buChar char="•"/>
+              <a:defRPr sz="1600" kern="1200">
+                <a:solidFill>
+                  <a:srgbClr val="353117"/>
+                </a:solidFill>
+                <a:latin typeface="+mn-lt"/>
+                <a:ea typeface="+mn-ea"/>
+                <a:cs typeface="+mn-cs"/>
+              </a:defRPr>
+            </a:lvl8pPr>
+            <a:lvl9pPr marL="2419350" indent="-266700" algn="l" defTabSz="914400" rtl="0" eaLnBrk="1" latinLnBrk="1" hangingPunct="1">
+              <a:spcBef>
+                <a:spcPct val="20000"/>
+              </a:spcBef>
+              <a:buClr>
+                <a:srgbClr val="353117"/>
+              </a:buClr>
+              <a:buFont typeface="Arial"/>
+              <a:buChar char="•"/>
+              <a:defRPr sz="1600" kern="1200">
+                <a:solidFill>
+                  <a:srgbClr val="353117"/>
+                </a:solidFill>
+                <a:latin typeface="+mn-lt"/>
+                <a:ea typeface="+mn-ea"/>
+                <a:cs typeface="+mn-cs"/>
+              </a:defRPr>
+            </a:lvl9pPr>
+          </a:lstStyle>
+          <a:p>
+            <a:pPr>
+              <a:defRPr lang="ko-KR" altLang="en-US"/>
+            </a:pPr>
+            <a:r>
+              <a:rPr lang="en-US" altLang="ko-KR" dirty="0"/>
+              <a:t> </a:t>
+            </a:r>
+            <a:r>
+              <a:rPr lang="ko-KR" altLang="en-US" dirty="0"/>
+              <a:t>사용 예시</a:t>
+            </a:r>
+            <a:r>
+              <a:rPr lang="en-US" altLang="ko-KR" dirty="0"/>
+              <a:t>1 : React(</a:t>
+            </a:r>
+            <a:r>
+              <a:rPr lang="en-US" altLang="ko-KR" dirty="0" err="1"/>
+              <a:t>ts</a:t>
+            </a:r>
+            <a:r>
+              <a:rPr lang="en-US" altLang="ko-KR" dirty="0"/>
+              <a:t>) - </a:t>
+            </a:r>
+            <a:r>
+              <a:rPr lang="ko-KR" altLang="en-US" dirty="0"/>
+              <a:t>로그인 </a:t>
+            </a:r>
+            <a:r>
+              <a:rPr lang="en-US" altLang="ko-KR" dirty="0"/>
+              <a:t>(to : Express)</a:t>
+            </a:r>
+            <a:endParaRPr lang="ko-KR" altLang="en-US" dirty="0"/>
+          </a:p>
+        </p:txBody>
+      </p:sp>
+      <p:sp>
+        <p:nvSpPr>
+          <p:cNvPr id="13" name="내용 개체 틀 2">
+            <a:extLst>
+              <a:ext uri="{FF2B5EF4-FFF2-40B4-BE49-F238E27FC236}">
+                <a16:creationId xmlns:a16="http://schemas.microsoft.com/office/drawing/2014/main" id="{BBA3E9A5-6A2A-46B4-BA01-2F9ABD59397A}"/>
+              </a:ext>
+            </a:extLst>
+          </p:cNvPr>
+          <p:cNvSpPr txBox="1">
+            <a:spLocks/>
+          </p:cNvSpPr>
+          <p:nvPr/>
+        </p:nvSpPr>
+        <p:spPr>
+          <a:xfrm>
+            <a:off x="179390" y="3573020"/>
+            <a:ext cx="8507410" cy="654033"/>
+          </a:xfrm>
+          <a:prstGeom prst="rect">
+            <a:avLst/>
+          </a:prstGeom>
+        </p:spPr>
+        <p:txBody>
+          <a:bodyPr vert="horz" lIns="91440" tIns="45720" rIns="91440" bIns="45720">
+            <a:normAutofit/>
+          </a:bodyPr>
+          <a:lstStyle>
+            <a:lvl1pPr marL="266700" indent="-266700" algn="l" defTabSz="914400" rtl="0" eaLnBrk="1" latinLnBrk="1" hangingPunct="1">
+              <a:spcBef>
+                <a:spcPct val="20000"/>
+              </a:spcBef>
+              <a:buClr>
+                <a:schemeClr val="tx1"/>
+              </a:buClr>
+              <a:buFont typeface="Wingdings"/>
+              <a:buChar char="q"/>
+              <a:defRPr sz="2400" kern="1200">
+                <a:solidFill>
+                  <a:schemeClr val="tx1"/>
+                </a:solidFill>
+                <a:latin typeface="+mn-lt"/>
+                <a:ea typeface="+mn-ea"/>
+                <a:cs typeface="+mn-cs"/>
+              </a:defRPr>
+            </a:lvl1pPr>
+            <a:lvl2pPr marL="542925" indent="-276225" algn="l" defTabSz="914400" rtl="0" eaLnBrk="1" latinLnBrk="1" hangingPunct="1">
+              <a:spcBef>
+                <a:spcPct val="20000"/>
+              </a:spcBef>
+              <a:buClr>
+                <a:schemeClr val="tx1"/>
+              </a:buClr>
+              <a:buFont typeface="Wingdings"/>
+              <a:buChar char="q"/>
+              <a:defRPr sz="2000" kern="1200">
+                <a:solidFill>
+                  <a:schemeClr val="tx1"/>
+                </a:solidFill>
+                <a:latin typeface="+mn-lt"/>
+                <a:ea typeface="+mn-ea"/>
+                <a:cs typeface="+mn-cs"/>
+              </a:defRPr>
+            </a:lvl2pPr>
+            <a:lvl3pPr marL="809625" indent="-266700" algn="l" defTabSz="914400" rtl="0" eaLnBrk="1" latinLnBrk="1" hangingPunct="1">
+              <a:spcBef>
+                <a:spcPct val="20000"/>
+              </a:spcBef>
+              <a:buClr>
+                <a:schemeClr val="tx1"/>
+              </a:buClr>
+              <a:buFont typeface="Wingdings"/>
+              <a:buChar char="§"/>
+              <a:defRPr sz="1800" kern="1200">
+                <a:solidFill>
+                  <a:schemeClr val="tx1"/>
+                </a:solidFill>
+                <a:latin typeface="+mn-lt"/>
+                <a:ea typeface="+mn-ea"/>
+                <a:cs typeface="+mn-cs"/>
+              </a:defRPr>
+            </a:lvl3pPr>
+            <a:lvl4pPr marL="1076325" indent="-266700" algn="l" defTabSz="914400" rtl="0" eaLnBrk="1" latinLnBrk="1" hangingPunct="1">
+              <a:spcBef>
+                <a:spcPct val="20000"/>
+              </a:spcBef>
+              <a:buClr>
+                <a:schemeClr val="tx1"/>
+              </a:buClr>
+              <a:buFont typeface="Wingdings"/>
+              <a:buChar char="§"/>
+              <a:defRPr sz="1600" kern="1200">
+                <a:solidFill>
+                  <a:schemeClr val="tx1"/>
+                </a:solidFill>
+                <a:latin typeface="+mn-lt"/>
+                <a:ea typeface="+mn-ea"/>
+                <a:cs typeface="+mn-cs"/>
+              </a:defRPr>
+            </a:lvl4pPr>
+            <a:lvl5pPr marL="1343025" indent="-266700" algn="l" defTabSz="914400" rtl="0" eaLnBrk="1" latinLnBrk="1" hangingPunct="1">
+              <a:spcBef>
+                <a:spcPct val="20000"/>
+              </a:spcBef>
+              <a:buClr>
+                <a:schemeClr val="tx1"/>
+              </a:buClr>
+              <a:buFont typeface="Arial"/>
+              <a:buChar char="•"/>
+              <a:defRPr sz="1600" kern="1200">
+                <a:solidFill>
+                  <a:schemeClr val="tx1"/>
+                </a:solidFill>
+                <a:latin typeface="+mn-lt"/>
+                <a:ea typeface="+mn-ea"/>
+                <a:cs typeface="+mn-cs"/>
+              </a:defRPr>
+            </a:lvl5pPr>
+            <a:lvl6pPr marL="1619250" indent="-276225" algn="l" defTabSz="914400" rtl="0" eaLnBrk="1" latinLnBrk="1" hangingPunct="1">
+              <a:spcBef>
+                <a:spcPct val="20000"/>
+              </a:spcBef>
+              <a:buClr>
+                <a:srgbClr val="353117"/>
+              </a:buClr>
+              <a:buFont typeface="Arial"/>
+              <a:buChar char="•"/>
+              <a:defRPr sz="1600" kern="1200">
+                <a:solidFill>
+                  <a:srgbClr val="353117"/>
+                </a:solidFill>
+                <a:latin typeface="+mn-lt"/>
+                <a:ea typeface="+mn-ea"/>
+                <a:cs typeface="+mn-cs"/>
+              </a:defRPr>
+            </a:lvl6pPr>
+            <a:lvl7pPr marL="1885950" indent="-266700" algn="l" defTabSz="914400" rtl="0" eaLnBrk="1" latinLnBrk="1" hangingPunct="1">
+              <a:spcBef>
+                <a:spcPct val="20000"/>
+              </a:spcBef>
+              <a:buClr>
+                <a:srgbClr val="353117"/>
+              </a:buClr>
+              <a:buFont typeface="Arial"/>
+              <a:buChar char="•"/>
+              <a:defRPr sz="1600" kern="1200">
+                <a:solidFill>
+                  <a:srgbClr val="353117"/>
+                </a:solidFill>
+                <a:latin typeface="+mn-lt"/>
+                <a:ea typeface="+mn-ea"/>
+                <a:cs typeface="+mn-cs"/>
+              </a:defRPr>
+            </a:lvl7pPr>
+            <a:lvl8pPr marL="2152650" indent="-266700" algn="l" defTabSz="914400" rtl="0" eaLnBrk="1" latinLnBrk="1" hangingPunct="1">
+              <a:spcBef>
+                <a:spcPct val="20000"/>
+              </a:spcBef>
+              <a:buClr>
+                <a:srgbClr val="353117"/>
+              </a:buClr>
+              <a:buFont typeface="Arial"/>
+              <a:buChar char="•"/>
+              <a:defRPr sz="1600" kern="1200">
+                <a:solidFill>
+                  <a:srgbClr val="353117"/>
+                </a:solidFill>
+                <a:latin typeface="+mn-lt"/>
+                <a:ea typeface="+mn-ea"/>
+                <a:cs typeface="+mn-cs"/>
+              </a:defRPr>
+            </a:lvl8pPr>
+            <a:lvl9pPr marL="2419350" indent="-266700" algn="l" defTabSz="914400" rtl="0" eaLnBrk="1" latinLnBrk="1" hangingPunct="1">
+              <a:spcBef>
+                <a:spcPct val="20000"/>
+              </a:spcBef>
+              <a:buClr>
+                <a:srgbClr val="353117"/>
+              </a:buClr>
+              <a:buFont typeface="Arial"/>
+              <a:buChar char="•"/>
+              <a:defRPr sz="1600" kern="1200">
+                <a:solidFill>
+                  <a:srgbClr val="353117"/>
+                </a:solidFill>
+                <a:latin typeface="+mn-lt"/>
+                <a:ea typeface="+mn-ea"/>
+                <a:cs typeface="+mn-cs"/>
+              </a:defRPr>
+            </a:lvl9pPr>
+          </a:lstStyle>
+          <a:p>
+            <a:pPr>
+              <a:defRPr lang="ko-KR" altLang="en-US"/>
+            </a:pPr>
+            <a:r>
+              <a:rPr lang="en-US" altLang="ko-KR" dirty="0"/>
+              <a:t> </a:t>
+            </a:r>
+            <a:r>
+              <a:rPr lang="ko-KR" altLang="en-US" dirty="0"/>
+              <a:t>사용 예시</a:t>
+            </a:r>
+            <a:r>
+              <a:rPr lang="en-US" altLang="ko-KR" dirty="0"/>
+              <a:t>2 : React - </a:t>
+            </a:r>
+            <a:r>
+              <a:rPr lang="ko-KR" altLang="en-US" dirty="0"/>
+              <a:t>메시지 생성 </a:t>
+            </a:r>
+            <a:r>
+              <a:rPr lang="en-US" altLang="ko-KR" dirty="0"/>
+              <a:t>(to : Flask)</a:t>
+            </a:r>
+            <a:endParaRPr lang="ko-KR" altLang="en-US" dirty="0"/>
+          </a:p>
+        </p:txBody>
+      </p:sp>
+    </p:spTree>
+    <p:extLst>
+      <p:ext uri="{BB962C8B-B14F-4D97-AF65-F5344CB8AC3E}">
+        <p14:creationId xmlns:p14="http://schemas.microsoft.com/office/powerpoint/2010/main" val="2336337304"/>
+      </p:ext>
+    </p:extLst>
+  </p:cSld>
+  <p:clrMapOvr>
+    <a:masterClrMapping/>
+  </p:clrMapOvr>
+  <p:transition/>
+</p:sld>
+</file>
+
+<file path=ppt/slides/slide13.xml><?xml version="1.0" encoding="utf-8"?>
 <p:sld xmlns:a="http://schemas.openxmlformats.org/drawingml/2006/main" xmlns:r="http://schemas.openxmlformats.org/officeDocument/2006/relationships" xmlns:p="http://schemas.openxmlformats.org/presentationml/2006/main">
   <p:cSld>
     <p:spTree>
@@ -1634,7 +2792,7 @@
               <a:defRPr lang="ko-KR" altLang="en-US"/>
             </a:pPr>
             <a:r>
-              <a:rPr altLang="en-US" smtClean="0"/>
+              <a:rPr altLang="en-US"/>
               <a:t>인원별 개발 과정</a:t>
             </a:r>
             <a:endParaRPr lang="ko-KR" altLang="en-US" dirty="0"/>
@@ -1657,10 +2815,9 @@
           <a:lstStyle/>
           <a:p>
             <a:r>
-              <a:rPr lang="ko-KR" altLang="en-US" dirty="0" smtClean="0"/>
+              <a:rPr lang="ko-KR" altLang="en-US" dirty="0"/>
               <a:t>각자 개발환경 만들어 기능 구현</a:t>
             </a:r>
-            <a:endParaRPr lang="ko-KR" altLang="en-US" dirty="0"/>
           </a:p>
         </p:txBody>
       </p:sp>
@@ -1669,613 +2826,11 @@
   <p:clrMapOvr>
     <a:masterClrMapping/>
   </p:clrMapOvr>
-  <mc:AlternateContent xmlns:mc="http://schemas.openxmlformats.org/markup-compatibility/2006">
-    <mc:Choice xmlns="" xmlns:c="http://schemas.openxmlformats.org/drawingml/2006/chart" xmlns:dgm="http://schemas.openxmlformats.org/drawingml/2006/diagram" xmlns:dsp="http://schemas.microsoft.com/office/drawing/2008/diagram" xmlns:p14="http://schemas.microsoft.com/office/powerpoint/2010/main" Requires="p14">
-      <p:transition xmlns:mc="http://schemas.openxmlformats.org/markup-compatibility/2006" xmlns:p14="http://schemas.microsoft.com/office/powerpoint/2010/main" mc:Ignorable="p14" p14:dur="500"/>
+  <mc:AlternateContent xmlns:mc="http://schemas.openxmlformats.org/markup-compatibility/2006" xmlns:p14="http://schemas.microsoft.com/office/powerpoint/2010/main">
+    <mc:Choice Requires="p14">
+      <p:transition/>
     </mc:Choice>
-    <mc:Fallback>
-      <p:transition/>
-    </mc:Fallback>
-  </mc:AlternateContent>
-</p:sld>
-</file>
-
-<file path=ppt/slides/slide12.xml><?xml version="1.0" encoding="utf-8"?>
-<p:sld xmlns:a="http://schemas.openxmlformats.org/drawingml/2006/main" xmlns:r="http://schemas.openxmlformats.org/officeDocument/2006/relationships" xmlns:p="http://schemas.openxmlformats.org/presentationml/2006/main">
-  <p:cSld>
-    <p:spTree>
-      <p:nvGrpSpPr>
-        <p:cNvPr id="1" name=""/>
-        <p:cNvGrpSpPr/>
-        <p:nvPr/>
-      </p:nvGrpSpPr>
-      <p:grpSpPr>
-        <a:xfrm>
-          <a:off x="0" y="0"/>
-          <a:ext cx="0" cy="0"/>
-          <a:chOff x="0" y="0"/>
-          <a:chExt cx="0" cy="0"/>
-        </a:xfrm>
-      </p:grpSpPr>
-      <p:sp>
-        <p:nvSpPr>
-          <p:cNvPr id="2" name="제목 1"/>
-          <p:cNvSpPr>
-            <a:spLocks noGrp="1"/>
-          </p:cNvSpPr>
-          <p:nvPr>
-            <p:ph type="title"/>
-          </p:nvPr>
-        </p:nvSpPr>
-        <p:spPr>
-          <a:xfrm>
-            <a:off x="457200" y="142852"/>
-            <a:ext cx="8686800" cy="654033"/>
-          </a:xfrm>
-        </p:spPr>
-        <p:txBody>
-          <a:bodyPr/>
-          <a:lstStyle/>
-          <a:p>
-            <a:pPr lvl="0">
-              <a:defRPr lang="ko-KR" altLang="en-US"/>
-            </a:pPr>
-            <a:r>
-              <a:rPr lang="en-US" altLang="ko-KR" dirty="0" smtClean="0"/>
-              <a:t>5</a:t>
-            </a:r>
-            <a:r>
-              <a:rPr lang="ko-KR" altLang="en-US" dirty="0" smtClean="0"/>
-              <a:t>-1</a:t>
-            </a:r>
-            <a:r>
-              <a:rPr lang="en-US" altLang="ko-KR" dirty="0" smtClean="0"/>
-              <a:t>.</a:t>
-            </a:r>
-            <a:r>
-              <a:rPr lang="ko-KR" altLang="en-US" dirty="0" smtClean="0"/>
-              <a:t> </a:t>
-            </a:r>
-            <a:r>
-              <a:rPr lang="en-US" altLang="ko-KR" dirty="0"/>
-              <a:t>Flask </a:t>
-            </a:r>
-            <a:r>
-              <a:rPr lang="en-US" altLang="ko-KR" dirty="0" smtClean="0"/>
-              <a:t>: API </a:t>
-            </a:r>
-            <a:r>
-              <a:rPr lang="ko-KR" altLang="en-US" dirty="0" smtClean="0"/>
-              <a:t>기능 테스트</a:t>
-            </a:r>
-            <a:endParaRPr lang="ko-KR" altLang="en-US" dirty="0"/>
-          </a:p>
-        </p:txBody>
-      </p:sp>
-      <p:pic>
-        <p:nvPicPr>
-          <p:cNvPr id="6" name="그림 5"/>
-          <p:cNvPicPr>
-            <a:picLocks noChangeAspect="1"/>
-          </p:cNvPicPr>
-          <p:nvPr/>
-        </p:nvPicPr>
-        <p:blipFill rotWithShape="1">
-          <a:blip r:embed="rId2"/>
-          <a:stretch>
-            <a:fillRect/>
-          </a:stretch>
-        </p:blipFill>
-        <p:spPr>
-          <a:xfrm>
-            <a:off x="335279" y="980694"/>
-            <a:ext cx="5676900" cy="5686425"/>
-          </a:xfrm>
-          <a:prstGeom prst="rect">
-            <a:avLst/>
-          </a:prstGeom>
-        </p:spPr>
-      </p:pic>
-      <p:sp>
-        <p:nvSpPr>
-          <p:cNvPr id="9" name="왼쪽 화살표 8"/>
-          <p:cNvSpPr/>
-          <p:nvPr/>
-        </p:nvSpPr>
-        <p:spPr>
-          <a:xfrm>
-            <a:off x="6084189" y="4869180"/>
-            <a:ext cx="576072" cy="576072"/>
-          </a:xfrm>
-          <a:prstGeom prst="leftArrow">
-            <a:avLst>
-              <a:gd name="adj1" fmla="val 50000"/>
-              <a:gd name="adj2" fmla="val 50000"/>
-            </a:avLst>
-          </a:prstGeom>
-        </p:spPr>
-        <p:style>
-          <a:lnRef idx="2">
-            <a:schemeClr val="accent1">
-              <a:shade val="20000"/>
-            </a:schemeClr>
-          </a:lnRef>
-          <a:fillRef idx="1">
-            <a:schemeClr val="accent1"/>
-          </a:fillRef>
-          <a:effectRef idx="0">
-            <a:schemeClr val="accent1"/>
-          </a:effectRef>
-          <a:fontRef idx="minor">
-            <a:schemeClr val="lt1"/>
-          </a:fontRef>
-        </p:style>
-        <p:txBody>
-          <a:bodyPr anchor="ctr"/>
-          <a:lstStyle/>
-          <a:p>
-            <a:pPr algn="ctr">
-              <a:defRPr lang="ko-KR" altLang="en-US"/>
-            </a:pPr>
-            <a:endParaRPr lang="ko-KR" altLang="en-US"/>
-          </a:p>
-        </p:txBody>
-      </p:sp>
-      <p:sp>
-        <p:nvSpPr>
-          <p:cNvPr id="12" name="왼쪽 화살표 11"/>
-          <p:cNvSpPr/>
-          <p:nvPr/>
-        </p:nvSpPr>
-        <p:spPr>
-          <a:xfrm>
-            <a:off x="6084189" y="1484757"/>
-            <a:ext cx="576072" cy="576072"/>
-          </a:xfrm>
-          <a:prstGeom prst="leftArrow">
-            <a:avLst>
-              <a:gd name="adj1" fmla="val 50000"/>
-              <a:gd name="adj2" fmla="val 50000"/>
-            </a:avLst>
-          </a:prstGeom>
-        </p:spPr>
-        <p:style>
-          <a:lnRef idx="2">
-            <a:schemeClr val="accent1">
-              <a:shade val="20000"/>
-            </a:schemeClr>
-          </a:lnRef>
-          <a:fillRef idx="1">
-            <a:schemeClr val="accent1"/>
-          </a:fillRef>
-          <a:effectRef idx="0">
-            <a:schemeClr val="accent1"/>
-          </a:effectRef>
-          <a:fontRef idx="minor">
-            <a:schemeClr val="lt1"/>
-          </a:fontRef>
-        </p:style>
-        <p:txBody>
-          <a:bodyPr anchor="ctr"/>
-          <a:lstStyle/>
-          <a:p>
-            <a:pPr algn="ctr">
-              <a:defRPr lang="ko-KR" altLang="en-US"/>
-            </a:pPr>
-            <a:endParaRPr lang="ko-KR" altLang="en-US"/>
-          </a:p>
-        </p:txBody>
-      </p:sp>
-      <p:sp>
-        <p:nvSpPr>
-          <p:cNvPr id="13" name="왼쪽 화살표 12"/>
-          <p:cNvSpPr/>
-          <p:nvPr/>
-        </p:nvSpPr>
-        <p:spPr>
-          <a:xfrm>
-            <a:off x="6084189" y="2276856"/>
-            <a:ext cx="576072" cy="576072"/>
-          </a:xfrm>
-          <a:prstGeom prst="leftArrow">
-            <a:avLst>
-              <a:gd name="adj1" fmla="val 50000"/>
-              <a:gd name="adj2" fmla="val 50000"/>
-            </a:avLst>
-          </a:prstGeom>
-        </p:spPr>
-        <p:style>
-          <a:lnRef idx="2">
-            <a:schemeClr val="accent1">
-              <a:shade val="20000"/>
-            </a:schemeClr>
-          </a:lnRef>
-          <a:fillRef idx="1">
-            <a:schemeClr val="accent1"/>
-          </a:fillRef>
-          <a:effectRef idx="0">
-            <a:schemeClr val="accent1"/>
-          </a:effectRef>
-          <a:fontRef idx="minor">
-            <a:schemeClr val="lt1"/>
-          </a:fontRef>
-        </p:style>
-        <p:txBody>
-          <a:bodyPr anchor="ctr"/>
-          <a:lstStyle/>
-          <a:p>
-            <a:pPr algn="ctr">
-              <a:defRPr lang="ko-KR" altLang="en-US"/>
-            </a:pPr>
-            <a:endParaRPr lang="ko-KR" altLang="en-US"/>
-          </a:p>
-        </p:txBody>
-      </p:sp>
-      <p:sp>
-        <p:nvSpPr>
-          <p:cNvPr id="14" name="왼쪽 화살표 13"/>
-          <p:cNvSpPr/>
-          <p:nvPr/>
-        </p:nvSpPr>
-        <p:spPr>
-          <a:xfrm>
-            <a:off x="6084189" y="3284982"/>
-            <a:ext cx="576072" cy="576072"/>
-          </a:xfrm>
-          <a:prstGeom prst="leftArrow">
-            <a:avLst>
-              <a:gd name="adj1" fmla="val 50000"/>
-              <a:gd name="adj2" fmla="val 50000"/>
-            </a:avLst>
-          </a:prstGeom>
-        </p:spPr>
-        <p:style>
-          <a:lnRef idx="2">
-            <a:schemeClr val="accent1">
-              <a:shade val="20000"/>
-            </a:schemeClr>
-          </a:lnRef>
-          <a:fillRef idx="1">
-            <a:schemeClr val="accent1"/>
-          </a:fillRef>
-          <a:effectRef idx="0">
-            <a:schemeClr val="accent1"/>
-          </a:effectRef>
-          <a:fontRef idx="minor">
-            <a:schemeClr val="lt1"/>
-          </a:fontRef>
-        </p:style>
-        <p:txBody>
-          <a:bodyPr anchor="ctr"/>
-          <a:lstStyle/>
-          <a:p>
-            <a:pPr algn="ctr">
-              <a:defRPr lang="ko-KR" altLang="en-US"/>
-            </a:pPr>
-            <a:endParaRPr lang="ko-KR" altLang="en-US"/>
-          </a:p>
-        </p:txBody>
-      </p:sp>
-      <p:sp>
-        <p:nvSpPr>
-          <p:cNvPr id="15" name="TextBox 14"/>
-          <p:cNvSpPr txBox="1"/>
-          <p:nvPr/>
-        </p:nvSpPr>
-        <p:spPr>
-          <a:xfrm>
-            <a:off x="6786578" y="1419439"/>
-            <a:ext cx="2682034" cy="641390"/>
-          </a:xfrm>
-          <a:prstGeom prst="rect">
-            <a:avLst/>
-          </a:prstGeom>
-        </p:spPr>
-        <p:txBody>
-          <a:bodyPr wrap="square">
-            <a:spAutoFit/>
-          </a:bodyPr>
-          <a:lstStyle/>
-          <a:p>
-            <a:pPr>
-              <a:defRPr lang="ko-KR" altLang="en-US"/>
-            </a:pPr>
-            <a:r>
-              <a:rPr lang="en-US" altLang="ko-KR" b="1"/>
-              <a:t>API</a:t>
-            </a:r>
-            <a:r>
-              <a:rPr lang="ko-KR" altLang="en-US" b="1"/>
-              <a:t> </a:t>
-            </a:r>
-            <a:r>
-              <a:rPr lang="en-US" altLang="ko-KR" b="1"/>
-              <a:t>KEY </a:t>
-            </a:r>
-            <a:r>
-              <a:rPr lang="ko-KR" altLang="en-US" b="1"/>
-              <a:t>등록 </a:t>
-            </a:r>
-            <a:endParaRPr lang="ko-KR" altLang="en-US"/>
-          </a:p>
-          <a:p>
-            <a:pPr>
-              <a:defRPr lang="ko-KR" altLang="en-US"/>
-            </a:pPr>
-            <a:r>
-              <a:rPr lang="en-US" altLang="ko-KR"/>
-              <a:t>ToBe: </a:t>
-            </a:r>
-            <a:r>
-              <a:rPr lang="ko-KR" altLang="en-US"/>
-              <a:t>서버 내에서 처리</a:t>
-            </a:r>
-          </a:p>
-        </p:txBody>
-      </p:sp>
-      <p:sp>
-        <p:nvSpPr>
-          <p:cNvPr id="16" name="TextBox 15"/>
-          <p:cNvSpPr txBox="1"/>
-          <p:nvPr/>
-        </p:nvSpPr>
-        <p:spPr>
-          <a:xfrm>
-            <a:off x="6786578" y="2244197"/>
-            <a:ext cx="2682034" cy="639973"/>
-          </a:xfrm>
-          <a:prstGeom prst="rect">
-            <a:avLst/>
-          </a:prstGeom>
-        </p:spPr>
-        <p:txBody>
-          <a:bodyPr wrap="square">
-            <a:spAutoFit/>
-          </a:bodyPr>
-          <a:lstStyle/>
-          <a:p>
-            <a:pPr>
-              <a:defRPr lang="ko-KR" altLang="en-US"/>
-            </a:pPr>
-            <a:r>
-              <a:rPr lang="ko-KR" altLang="en-US" b="1"/>
-              <a:t>채팅방(</a:t>
-            </a:r>
-            <a:r>
-              <a:rPr lang="en-US" altLang="ko-KR" b="1"/>
-              <a:t>Therad)</a:t>
-            </a:r>
-            <a:endParaRPr lang="en-US" altLang="ko-KR"/>
-          </a:p>
-          <a:p>
-            <a:pPr>
-              <a:defRPr lang="ko-KR" altLang="en-US"/>
-            </a:pPr>
-            <a:r>
-              <a:rPr lang="ko-KR" altLang="en-US"/>
-              <a:t>생성 혹은 설정 </a:t>
-            </a:r>
-          </a:p>
-        </p:txBody>
-      </p:sp>
-      <p:sp>
-        <p:nvSpPr>
-          <p:cNvPr id="17" name="TextBox 16"/>
-          <p:cNvSpPr txBox="1"/>
-          <p:nvPr/>
-        </p:nvSpPr>
-        <p:spPr>
-          <a:xfrm>
-            <a:off x="6786578" y="3284982"/>
-            <a:ext cx="2682034" cy="641390"/>
-          </a:xfrm>
-          <a:prstGeom prst="rect">
-            <a:avLst/>
-          </a:prstGeom>
-        </p:spPr>
-        <p:txBody>
-          <a:bodyPr wrap="square">
-            <a:spAutoFit/>
-          </a:bodyPr>
-          <a:lstStyle/>
-          <a:p>
-            <a:pPr>
-              <a:defRPr lang="ko-KR" altLang="en-US"/>
-            </a:pPr>
-            <a:r>
-              <a:rPr lang="ko-KR" altLang="en-US" b="1"/>
-              <a:t>챗봇(</a:t>
-            </a:r>
-            <a:r>
-              <a:rPr lang="en-US" altLang="ko-KR" b="1"/>
-              <a:t>Assistant</a:t>
-            </a:r>
-            <a:r>
-              <a:rPr lang="ko-KR" altLang="en-US" b="1"/>
-              <a:t>)</a:t>
-            </a:r>
-            <a:endParaRPr lang="ko-KR" altLang="en-US"/>
-          </a:p>
-          <a:p>
-            <a:pPr>
-              <a:defRPr lang="ko-KR" altLang="en-US"/>
-            </a:pPr>
-            <a:r>
-              <a:rPr lang="ko-KR" altLang="en-US"/>
-              <a:t>챗봇 생성 혹은 설정</a:t>
-            </a:r>
-          </a:p>
-        </p:txBody>
-      </p:sp>
-      <p:sp>
-        <p:nvSpPr>
-          <p:cNvPr id="18" name="TextBox 17"/>
-          <p:cNvSpPr txBox="1"/>
-          <p:nvPr/>
-        </p:nvSpPr>
-        <p:spPr>
-          <a:xfrm>
-            <a:off x="6786578" y="4869180"/>
-            <a:ext cx="2682034" cy="923330"/>
-          </a:xfrm>
-          <a:prstGeom prst="rect">
-            <a:avLst/>
-          </a:prstGeom>
-        </p:spPr>
-        <p:txBody>
-          <a:bodyPr wrap="square">
-            <a:spAutoFit/>
-          </a:bodyPr>
-          <a:lstStyle/>
-          <a:p>
-            <a:pPr>
-              <a:defRPr lang="ko-KR" altLang="en-US"/>
-            </a:pPr>
-            <a:r>
-              <a:rPr lang="ko-KR" altLang="en-US" b="1" dirty="0"/>
-              <a:t>매시지(</a:t>
-            </a:r>
-            <a:r>
-              <a:rPr lang="en-US" altLang="ko-KR" b="1" dirty="0" err="1"/>
-              <a:t>Meassage</a:t>
-            </a:r>
-            <a:r>
-              <a:rPr lang="en-US" altLang="ko-KR" b="1" dirty="0"/>
-              <a:t>)</a:t>
-            </a:r>
-            <a:endParaRPr lang="en-US" altLang="ko-KR" dirty="0"/>
-          </a:p>
-          <a:p>
-            <a:pPr>
-              <a:defRPr lang="ko-KR" altLang="en-US"/>
-            </a:pPr>
-            <a:r>
-              <a:rPr lang="ko-KR" altLang="en-US" dirty="0"/>
-              <a:t>유저 메시지 입력 및</a:t>
-            </a:r>
-          </a:p>
-          <a:p>
-            <a:pPr>
-              <a:defRPr lang="ko-KR" altLang="en-US"/>
-            </a:pPr>
-            <a:r>
-              <a:rPr lang="ko-KR" altLang="en-US" dirty="0" err="1"/>
-              <a:t>챗봇</a:t>
-            </a:r>
-            <a:r>
-              <a:rPr lang="ko-KR" altLang="en-US" dirty="0"/>
-              <a:t> 메시지 출력 </a:t>
-            </a:r>
-            <a:r>
-              <a:rPr lang="ko-KR" altLang="en-US" dirty="0" smtClean="0"/>
-              <a:t>확인</a:t>
-            </a:r>
-            <a:endParaRPr lang="ko-KR" altLang="en-US" dirty="0"/>
-          </a:p>
-        </p:txBody>
-      </p:sp>
-    </p:spTree>
-  </p:cSld>
-  <p:clrMapOvr>
-    <a:masterClrMapping/>
-  </p:clrMapOvr>
-  <mc:AlternateContent xmlns:mc="http://schemas.openxmlformats.org/markup-compatibility/2006">
-    <mc:Choice xmlns="" xmlns:c="http://schemas.openxmlformats.org/drawingml/2006/chart" xmlns:dgm="http://schemas.openxmlformats.org/drawingml/2006/diagram" xmlns:dsp="http://schemas.microsoft.com/office/drawing/2008/diagram" xmlns:p14="http://schemas.microsoft.com/office/powerpoint/2010/main" Requires="p14">
-      <p:transition xmlns:mc="http://schemas.openxmlformats.org/markup-compatibility/2006" xmlns:p14="http://schemas.microsoft.com/office/powerpoint/2010/main" mc:Ignorable="p14" p14:dur="500"/>
-    </mc:Choice>
-    <mc:Fallback>
-      <p:transition/>
-    </mc:Fallback>
-  </mc:AlternateContent>
-</p:sld>
-</file>
-
-<file path=ppt/slides/slide13.xml><?xml version="1.0" encoding="utf-8"?>
-<p:sld xmlns:a="http://schemas.openxmlformats.org/drawingml/2006/main" xmlns:r="http://schemas.openxmlformats.org/officeDocument/2006/relationships" xmlns:p="http://schemas.openxmlformats.org/presentationml/2006/main">
-  <p:cSld>
-    <p:spTree>
-      <p:nvGrpSpPr>
-        <p:cNvPr id="1" name=""/>
-        <p:cNvGrpSpPr/>
-        <p:nvPr/>
-      </p:nvGrpSpPr>
-      <p:grpSpPr>
-        <a:xfrm>
-          <a:off x="0" y="0"/>
-          <a:ext cx="0" cy="0"/>
-          <a:chOff x="0" y="0"/>
-          <a:chExt cx="0" cy="0"/>
-        </a:xfrm>
-      </p:grpSpPr>
-      <p:sp>
-        <p:nvSpPr>
-          <p:cNvPr id="2" name="제목 1"/>
-          <p:cNvSpPr>
-            <a:spLocks noGrp="1"/>
-          </p:cNvSpPr>
-          <p:nvPr>
-            <p:ph type="title"/>
-          </p:nvPr>
-        </p:nvSpPr>
-        <p:spPr>
-          <a:xfrm>
-            <a:off x="457200" y="142852"/>
-            <a:ext cx="8686800" cy="654033"/>
-          </a:xfrm>
-        </p:spPr>
-        <p:txBody>
-          <a:bodyPr/>
-          <a:lstStyle/>
-          <a:p>
-            <a:pPr lvl="0">
-              <a:defRPr lang="ko-KR" altLang="en-US"/>
-            </a:pPr>
-            <a:r>
-              <a:rPr lang="en-US" altLang="ko-KR" dirty="0"/>
-              <a:t>5-2. React </a:t>
-            </a:r>
-            <a:r>
-              <a:rPr/>
-              <a:t>화면 구현</a:t>
-            </a:r>
-            <a:endParaRPr lang="en-US" altLang="ko-KR" dirty="0"/>
-          </a:p>
-        </p:txBody>
-      </p:sp>
-      <p:pic>
-        <p:nvPicPr>
-          <p:cNvPr id="25" name="그림 24"/>
-          <p:cNvPicPr>
-            <a:picLocks noChangeAspect="1"/>
-          </p:cNvPicPr>
-          <p:nvPr/>
-        </p:nvPicPr>
-        <p:blipFill rotWithShape="1">
-          <a:blip r:embed="rId2"/>
-          <a:stretch>
-            <a:fillRect/>
-          </a:stretch>
-        </p:blipFill>
-        <p:spPr>
-          <a:xfrm>
-            <a:off x="786384" y="980694"/>
-            <a:ext cx="7571232" cy="5730675"/>
-          </a:xfrm>
-          <a:prstGeom prst="rect">
-            <a:avLst/>
-          </a:prstGeom>
-        </p:spPr>
-      </p:pic>
-    </p:spTree>
-  </p:cSld>
-  <p:clrMapOvr>
-    <a:masterClrMapping/>
-  </p:clrMapOvr>
-  <mc:AlternateContent xmlns:mc="http://schemas.openxmlformats.org/markup-compatibility/2006">
-    <mc:Choice xmlns="" xmlns:c="http://schemas.openxmlformats.org/drawingml/2006/chart" xmlns:dgm="http://schemas.openxmlformats.org/drawingml/2006/diagram" xmlns:dsp="http://schemas.microsoft.com/office/drawing/2008/diagram" xmlns:p14="http://schemas.microsoft.com/office/powerpoint/2010/main" Requires="p14">
-      <p:transition xmlns:mc="http://schemas.openxmlformats.org/markup-compatibility/2006" xmlns:p14="http://schemas.microsoft.com/office/powerpoint/2010/main" mc:Ignorable="p14" p14:dur="500"/>
-    </mc:Choice>
-    <mc:Fallback>
+    <mc:Fallback xmlns="">
       <p:transition/>
     </mc:Fallback>
   </mc:AlternateContent>
@@ -2323,36 +2878,35 @@
               <a:defRPr lang="ko-KR" altLang="en-US"/>
             </a:pPr>
             <a:r>
-              <a:rPr lang="en-US" altLang="ko-KR" dirty="0" smtClean="0"/>
+              <a:rPr lang="en-US" altLang="ko-KR" dirty="0"/>
               <a:t>5</a:t>
             </a:r>
             <a:r>
-              <a:rPr lang="ko-KR" altLang="en-US" dirty="0" smtClean="0"/>
-              <a:t>-</a:t>
-            </a:r>
-            <a:r>
-              <a:rPr lang="en-US" altLang="ko-KR" dirty="0" smtClean="0"/>
-              <a:t>2</a:t>
-            </a:r>
-            <a:r>
-              <a:rPr lang="ko-KR" altLang="en-US" dirty="0" smtClean="0"/>
-              <a:t>. </a:t>
-            </a:r>
-            <a:r>
-              <a:rPr lang="en-US" altLang="ko-KR" dirty="0" smtClean="0"/>
-              <a:t>React </a:t>
-            </a:r>
-            <a:r>
-              <a:rPr smtClean="0"/>
-              <a:t>화면 구현</a:t>
-            </a:r>
-            <a:endParaRPr lang="en-US" altLang="ko-KR" dirty="0"/>
+              <a:rPr lang="ko-KR" altLang="en-US" dirty="0"/>
+              <a:t>-1</a:t>
+            </a:r>
+            <a:r>
+              <a:rPr lang="en-US" altLang="ko-KR" dirty="0"/>
+              <a:t>.</a:t>
+            </a:r>
+            <a:r>
+              <a:rPr lang="ko-KR" altLang="en-US" dirty="0"/>
+              <a:t> </a:t>
+            </a:r>
+            <a:r>
+              <a:rPr lang="en-US" altLang="ko-KR" dirty="0"/>
+              <a:t>Flask : API </a:t>
+            </a:r>
+            <a:r>
+              <a:rPr lang="ko-KR" altLang="en-US" dirty="0"/>
+              <a:t>기능 테스트</a:t>
+            </a:r>
           </a:p>
         </p:txBody>
       </p:sp>
       <p:pic>
         <p:nvPicPr>
-          <p:cNvPr id="24" name="그림 23"/>
+          <p:cNvPr id="6" name="그림 5"/>
           <p:cNvPicPr>
             <a:picLocks noChangeAspect="1"/>
           </p:cNvPicPr>
@@ -2366,48 +2920,417 @@
         </p:blipFill>
         <p:spPr>
           <a:xfrm>
-            <a:off x="262736" y="980694"/>
-            <a:ext cx="3744468" cy="5473732"/>
+            <a:off x="335279" y="980694"/>
+            <a:ext cx="5676900" cy="5686425"/>
           </a:xfrm>
           <a:prstGeom prst="rect">
             <a:avLst/>
           </a:prstGeom>
         </p:spPr>
       </p:pic>
-      <p:pic>
-        <p:nvPicPr>
-          <p:cNvPr id="26" name="그림 25"/>
-          <p:cNvPicPr>
-            <a:picLocks noChangeAspect="1"/>
-          </p:cNvPicPr>
+      <p:sp>
+        <p:nvSpPr>
+          <p:cNvPr id="9" name="왼쪽 화살표 8"/>
+          <p:cNvSpPr/>
           <p:nvPr/>
-        </p:nvPicPr>
-        <p:blipFill rotWithShape="1">
-          <a:blip r:embed="rId3"/>
-          <a:stretch>
-            <a:fillRect/>
-          </a:stretch>
-        </p:blipFill>
+        </p:nvSpPr>
         <p:spPr>
           <a:xfrm>
-            <a:off x="4211955" y="980694"/>
-            <a:ext cx="4752592" cy="5473732"/>
+            <a:off x="6084189" y="4869180"/>
+            <a:ext cx="576072" cy="576072"/>
+          </a:xfrm>
+          <a:prstGeom prst="leftArrow">
+            <a:avLst>
+              <a:gd name="adj1" fmla="val 50000"/>
+              <a:gd name="adj2" fmla="val 50000"/>
+            </a:avLst>
+          </a:prstGeom>
+        </p:spPr>
+        <p:style>
+          <a:lnRef idx="2">
+            <a:schemeClr val="accent1">
+              <a:shade val="20000"/>
+            </a:schemeClr>
+          </a:lnRef>
+          <a:fillRef idx="1">
+            <a:schemeClr val="accent1"/>
+          </a:fillRef>
+          <a:effectRef idx="0">
+            <a:schemeClr val="accent1"/>
+          </a:effectRef>
+          <a:fontRef idx="minor">
+            <a:schemeClr val="lt1"/>
+          </a:fontRef>
+        </p:style>
+        <p:txBody>
+          <a:bodyPr anchor="ctr"/>
+          <a:lstStyle/>
+          <a:p>
+            <a:pPr algn="ctr">
+              <a:defRPr lang="ko-KR" altLang="en-US"/>
+            </a:pPr>
+            <a:endParaRPr lang="ko-KR" altLang="en-US"/>
+          </a:p>
+        </p:txBody>
+      </p:sp>
+      <p:sp>
+        <p:nvSpPr>
+          <p:cNvPr id="12" name="왼쪽 화살표 11"/>
+          <p:cNvSpPr/>
+          <p:nvPr/>
+        </p:nvSpPr>
+        <p:spPr>
+          <a:xfrm>
+            <a:off x="6084189" y="1484757"/>
+            <a:ext cx="576072" cy="576072"/>
+          </a:xfrm>
+          <a:prstGeom prst="leftArrow">
+            <a:avLst>
+              <a:gd name="adj1" fmla="val 50000"/>
+              <a:gd name="adj2" fmla="val 50000"/>
+            </a:avLst>
+          </a:prstGeom>
+        </p:spPr>
+        <p:style>
+          <a:lnRef idx="2">
+            <a:schemeClr val="accent1">
+              <a:shade val="20000"/>
+            </a:schemeClr>
+          </a:lnRef>
+          <a:fillRef idx="1">
+            <a:schemeClr val="accent1"/>
+          </a:fillRef>
+          <a:effectRef idx="0">
+            <a:schemeClr val="accent1"/>
+          </a:effectRef>
+          <a:fontRef idx="minor">
+            <a:schemeClr val="lt1"/>
+          </a:fontRef>
+        </p:style>
+        <p:txBody>
+          <a:bodyPr anchor="ctr"/>
+          <a:lstStyle/>
+          <a:p>
+            <a:pPr algn="ctr">
+              <a:defRPr lang="ko-KR" altLang="en-US"/>
+            </a:pPr>
+            <a:endParaRPr lang="ko-KR" altLang="en-US"/>
+          </a:p>
+        </p:txBody>
+      </p:sp>
+      <p:sp>
+        <p:nvSpPr>
+          <p:cNvPr id="13" name="왼쪽 화살표 12"/>
+          <p:cNvSpPr/>
+          <p:nvPr/>
+        </p:nvSpPr>
+        <p:spPr>
+          <a:xfrm>
+            <a:off x="6084189" y="2276856"/>
+            <a:ext cx="576072" cy="576072"/>
+          </a:xfrm>
+          <a:prstGeom prst="leftArrow">
+            <a:avLst>
+              <a:gd name="adj1" fmla="val 50000"/>
+              <a:gd name="adj2" fmla="val 50000"/>
+            </a:avLst>
+          </a:prstGeom>
+        </p:spPr>
+        <p:style>
+          <a:lnRef idx="2">
+            <a:schemeClr val="accent1">
+              <a:shade val="20000"/>
+            </a:schemeClr>
+          </a:lnRef>
+          <a:fillRef idx="1">
+            <a:schemeClr val="accent1"/>
+          </a:fillRef>
+          <a:effectRef idx="0">
+            <a:schemeClr val="accent1"/>
+          </a:effectRef>
+          <a:fontRef idx="minor">
+            <a:schemeClr val="lt1"/>
+          </a:fontRef>
+        </p:style>
+        <p:txBody>
+          <a:bodyPr anchor="ctr"/>
+          <a:lstStyle/>
+          <a:p>
+            <a:pPr algn="ctr">
+              <a:defRPr lang="ko-KR" altLang="en-US"/>
+            </a:pPr>
+            <a:endParaRPr lang="ko-KR" altLang="en-US"/>
+          </a:p>
+        </p:txBody>
+      </p:sp>
+      <p:sp>
+        <p:nvSpPr>
+          <p:cNvPr id="14" name="왼쪽 화살표 13"/>
+          <p:cNvSpPr/>
+          <p:nvPr/>
+        </p:nvSpPr>
+        <p:spPr>
+          <a:xfrm>
+            <a:off x="6084189" y="3284982"/>
+            <a:ext cx="576072" cy="576072"/>
+          </a:xfrm>
+          <a:prstGeom prst="leftArrow">
+            <a:avLst>
+              <a:gd name="adj1" fmla="val 50000"/>
+              <a:gd name="adj2" fmla="val 50000"/>
+            </a:avLst>
+          </a:prstGeom>
+        </p:spPr>
+        <p:style>
+          <a:lnRef idx="2">
+            <a:schemeClr val="accent1">
+              <a:shade val="20000"/>
+            </a:schemeClr>
+          </a:lnRef>
+          <a:fillRef idx="1">
+            <a:schemeClr val="accent1"/>
+          </a:fillRef>
+          <a:effectRef idx="0">
+            <a:schemeClr val="accent1"/>
+          </a:effectRef>
+          <a:fontRef idx="minor">
+            <a:schemeClr val="lt1"/>
+          </a:fontRef>
+        </p:style>
+        <p:txBody>
+          <a:bodyPr anchor="ctr"/>
+          <a:lstStyle/>
+          <a:p>
+            <a:pPr algn="ctr">
+              <a:defRPr lang="ko-KR" altLang="en-US"/>
+            </a:pPr>
+            <a:endParaRPr lang="ko-KR" altLang="en-US"/>
+          </a:p>
+        </p:txBody>
+      </p:sp>
+      <p:sp>
+        <p:nvSpPr>
+          <p:cNvPr id="15" name="TextBox 14"/>
+          <p:cNvSpPr txBox="1"/>
+          <p:nvPr/>
+        </p:nvSpPr>
+        <p:spPr>
+          <a:xfrm>
+            <a:off x="6786578" y="1419439"/>
+            <a:ext cx="2682034" cy="641390"/>
           </a:xfrm>
           <a:prstGeom prst="rect">
             <a:avLst/>
           </a:prstGeom>
         </p:spPr>
-      </p:pic>
+        <p:txBody>
+          <a:bodyPr wrap="square">
+            <a:spAutoFit/>
+          </a:bodyPr>
+          <a:lstStyle/>
+          <a:p>
+            <a:pPr>
+              <a:defRPr lang="ko-KR" altLang="en-US"/>
+            </a:pPr>
+            <a:r>
+              <a:rPr lang="en-US" altLang="ko-KR" b="1"/>
+              <a:t>API</a:t>
+            </a:r>
+            <a:r>
+              <a:rPr lang="ko-KR" altLang="en-US" b="1"/>
+              <a:t> </a:t>
+            </a:r>
+            <a:r>
+              <a:rPr lang="en-US" altLang="ko-KR" b="1"/>
+              <a:t>KEY </a:t>
+            </a:r>
+            <a:r>
+              <a:rPr lang="ko-KR" altLang="en-US" b="1"/>
+              <a:t>등록 </a:t>
+            </a:r>
+            <a:endParaRPr lang="ko-KR" altLang="en-US"/>
+          </a:p>
+          <a:p>
+            <a:pPr>
+              <a:defRPr lang="ko-KR" altLang="en-US"/>
+            </a:pPr>
+            <a:r>
+              <a:rPr lang="en-US" altLang="ko-KR"/>
+              <a:t>ToBe: </a:t>
+            </a:r>
+            <a:r>
+              <a:rPr lang="ko-KR" altLang="en-US"/>
+              <a:t>서버 내에서 처리</a:t>
+            </a:r>
+          </a:p>
+        </p:txBody>
+      </p:sp>
+      <p:sp>
+        <p:nvSpPr>
+          <p:cNvPr id="16" name="TextBox 15"/>
+          <p:cNvSpPr txBox="1"/>
+          <p:nvPr/>
+        </p:nvSpPr>
+        <p:spPr>
+          <a:xfrm>
+            <a:off x="6786578" y="2244197"/>
+            <a:ext cx="2682034" cy="639973"/>
+          </a:xfrm>
+          <a:prstGeom prst="rect">
+            <a:avLst/>
+          </a:prstGeom>
+        </p:spPr>
+        <p:txBody>
+          <a:bodyPr wrap="square">
+            <a:spAutoFit/>
+          </a:bodyPr>
+          <a:lstStyle/>
+          <a:p>
+            <a:pPr>
+              <a:defRPr lang="ko-KR" altLang="en-US"/>
+            </a:pPr>
+            <a:r>
+              <a:rPr lang="ko-KR" altLang="en-US" b="1"/>
+              <a:t>채팅방(</a:t>
+            </a:r>
+            <a:r>
+              <a:rPr lang="en-US" altLang="ko-KR" b="1"/>
+              <a:t>Therad)</a:t>
+            </a:r>
+            <a:endParaRPr lang="en-US" altLang="ko-KR"/>
+          </a:p>
+          <a:p>
+            <a:pPr>
+              <a:defRPr lang="ko-KR" altLang="en-US"/>
+            </a:pPr>
+            <a:r>
+              <a:rPr lang="ko-KR" altLang="en-US"/>
+              <a:t>생성 혹은 설정 </a:t>
+            </a:r>
+          </a:p>
+        </p:txBody>
+      </p:sp>
+      <p:sp>
+        <p:nvSpPr>
+          <p:cNvPr id="17" name="TextBox 16"/>
+          <p:cNvSpPr txBox="1"/>
+          <p:nvPr/>
+        </p:nvSpPr>
+        <p:spPr>
+          <a:xfrm>
+            <a:off x="6786578" y="3284982"/>
+            <a:ext cx="2682034" cy="641390"/>
+          </a:xfrm>
+          <a:prstGeom prst="rect">
+            <a:avLst/>
+          </a:prstGeom>
+        </p:spPr>
+        <p:txBody>
+          <a:bodyPr wrap="square">
+            <a:spAutoFit/>
+          </a:bodyPr>
+          <a:lstStyle/>
+          <a:p>
+            <a:pPr>
+              <a:defRPr lang="ko-KR" altLang="en-US"/>
+            </a:pPr>
+            <a:r>
+              <a:rPr lang="ko-KR" altLang="en-US" b="1"/>
+              <a:t>챗봇(</a:t>
+            </a:r>
+            <a:r>
+              <a:rPr lang="en-US" altLang="ko-KR" b="1"/>
+              <a:t>Assistant</a:t>
+            </a:r>
+            <a:r>
+              <a:rPr lang="ko-KR" altLang="en-US" b="1"/>
+              <a:t>)</a:t>
+            </a:r>
+            <a:endParaRPr lang="ko-KR" altLang="en-US"/>
+          </a:p>
+          <a:p>
+            <a:pPr>
+              <a:defRPr lang="ko-KR" altLang="en-US"/>
+            </a:pPr>
+            <a:r>
+              <a:rPr lang="ko-KR" altLang="en-US"/>
+              <a:t>챗봇 생성 혹은 설정</a:t>
+            </a:r>
+          </a:p>
+        </p:txBody>
+      </p:sp>
+      <p:sp>
+        <p:nvSpPr>
+          <p:cNvPr id="18" name="TextBox 17"/>
+          <p:cNvSpPr txBox="1"/>
+          <p:nvPr/>
+        </p:nvSpPr>
+        <p:spPr>
+          <a:xfrm>
+            <a:off x="6786578" y="4869180"/>
+            <a:ext cx="2682034" cy="923330"/>
+          </a:xfrm>
+          <a:prstGeom prst="rect">
+            <a:avLst/>
+          </a:prstGeom>
+        </p:spPr>
+        <p:txBody>
+          <a:bodyPr wrap="square">
+            <a:spAutoFit/>
+          </a:bodyPr>
+          <a:lstStyle/>
+          <a:p>
+            <a:pPr>
+              <a:defRPr lang="ko-KR" altLang="en-US"/>
+            </a:pPr>
+            <a:r>
+              <a:rPr lang="ko-KR" altLang="en-US" b="1" dirty="0"/>
+              <a:t>매시지(</a:t>
+            </a:r>
+            <a:r>
+              <a:rPr lang="en-US" altLang="ko-KR" b="1" dirty="0" err="1"/>
+              <a:t>Meassage</a:t>
+            </a:r>
+            <a:r>
+              <a:rPr lang="en-US" altLang="ko-KR" b="1" dirty="0"/>
+              <a:t>)</a:t>
+            </a:r>
+            <a:endParaRPr lang="en-US" altLang="ko-KR" dirty="0"/>
+          </a:p>
+          <a:p>
+            <a:pPr>
+              <a:defRPr lang="ko-KR" altLang="en-US"/>
+            </a:pPr>
+            <a:r>
+              <a:rPr lang="ko-KR" altLang="en-US" dirty="0"/>
+              <a:t>유저 메시지 입력 및</a:t>
+            </a:r>
+          </a:p>
+          <a:p>
+            <a:pPr>
+              <a:defRPr lang="ko-KR" altLang="en-US"/>
+            </a:pPr>
+            <a:r>
+              <a:rPr lang="ko-KR" altLang="en-US" dirty="0" err="1"/>
+              <a:t>챗봇</a:t>
+            </a:r>
+            <a:r>
+              <a:rPr lang="ko-KR" altLang="en-US" dirty="0"/>
+              <a:t> 메시지 출력 확인</a:t>
+            </a:r>
+          </a:p>
+        </p:txBody>
+      </p:sp>
     </p:spTree>
   </p:cSld>
   <p:clrMapOvr>
     <a:masterClrMapping/>
   </p:clrMapOvr>
-  <mc:AlternateContent xmlns:mc="http://schemas.openxmlformats.org/markup-compatibility/2006">
-    <mc:Choice xmlns="" xmlns:c="http://schemas.openxmlformats.org/drawingml/2006/chart" xmlns:dgm="http://schemas.openxmlformats.org/drawingml/2006/diagram" xmlns:dsp="http://schemas.microsoft.com/office/drawing/2008/diagram" xmlns:p14="http://schemas.microsoft.com/office/powerpoint/2010/main" Requires="p14">
-      <p:transition xmlns:mc="http://schemas.openxmlformats.org/markup-compatibility/2006" xmlns:p14="http://schemas.microsoft.com/office/powerpoint/2010/main" mc:Ignorable="p14" p14:dur="500"/>
+  <mc:AlternateContent xmlns:mc="http://schemas.openxmlformats.org/markup-compatibility/2006" xmlns:p14="http://schemas.microsoft.com/office/powerpoint/2010/main">
+    <mc:Choice Requires="p14">
+      <p:transition/>
     </mc:Choice>
-    <mc:Fallback>
+    <mc:Fallback xmlns="">
       <p:transition/>
     </mc:Fallback>
   </mc:AlternateContent>
@@ -2448,44 +3371,26 @@
           </a:xfrm>
         </p:spPr>
         <p:txBody>
-          <a:bodyPr>
-            <a:normAutofit/>
-          </a:bodyPr>
+          <a:bodyPr/>
           <a:lstStyle/>
           <a:p>
             <a:pPr lvl="0">
               <a:defRPr lang="ko-KR" altLang="en-US"/>
             </a:pPr>
             <a:r>
-              <a:rPr lang="en-US" altLang="ko-KR" dirty="0" smtClean="0"/>
-              <a:t>5</a:t>
-            </a:r>
-            <a:r>
               <a:rPr lang="en-US" altLang="ko-KR" dirty="0"/>
-              <a:t>-</a:t>
-            </a:r>
-            <a:r>
-              <a:rPr lang="en-US" altLang="ko-KR" dirty="0" smtClean="0"/>
-              <a:t>3</a:t>
-            </a:r>
-            <a:r>
-              <a:rPr lang="ko-KR" altLang="en-US" dirty="0" smtClean="0"/>
-              <a:t>. </a:t>
-            </a:r>
-            <a:r>
-              <a:rPr lang="en-US" altLang="ko-KR" dirty="0"/>
-              <a:t>Express</a:t>
-            </a:r>
-            <a:r>
-              <a:rPr lang="ko-KR" altLang="en-US" dirty="0"/>
-              <a:t> - 로그인/게시판 </a:t>
-            </a:r>
+              <a:t>5-2. React </a:t>
+            </a:r>
+            <a:r>
+              <a:t>화면 구현</a:t>
+            </a:r>
+            <a:endParaRPr lang="en-US" altLang="ko-KR" dirty="0"/>
           </a:p>
         </p:txBody>
       </p:sp>
       <p:pic>
         <p:nvPicPr>
-          <p:cNvPr id="21" name="그림 20"/>
+          <p:cNvPr id="25" name="그림 24"/>
           <p:cNvPicPr>
             <a:picLocks noChangeAspect="1"/>
           </p:cNvPicPr>
@@ -2499,8 +3404,8 @@
         </p:blipFill>
         <p:spPr>
           <a:xfrm>
-            <a:off x="760180" y="1007105"/>
-            <a:ext cx="7623639" cy="5662300"/>
+            <a:off x="786384" y="980694"/>
+            <a:ext cx="7571232" cy="5730675"/>
           </a:xfrm>
           <a:prstGeom prst="rect">
             <a:avLst/>
@@ -2512,11 +3417,11 @@
   <p:clrMapOvr>
     <a:masterClrMapping/>
   </p:clrMapOvr>
-  <mc:AlternateContent xmlns:mc="http://schemas.openxmlformats.org/markup-compatibility/2006">
-    <mc:Choice xmlns="" xmlns:c="http://schemas.openxmlformats.org/drawingml/2006/chart" xmlns:dgm="http://schemas.openxmlformats.org/drawingml/2006/diagram" xmlns:dsp="http://schemas.microsoft.com/office/drawing/2008/diagram" xmlns:p14="http://schemas.microsoft.com/office/powerpoint/2010/main" Requires="p14">
-      <p:transition xmlns:mc="http://schemas.openxmlformats.org/markup-compatibility/2006" xmlns:p14="http://schemas.microsoft.com/office/powerpoint/2010/main" mc:Ignorable="p14" p14:dur="500"/>
+  <mc:AlternateContent xmlns:mc="http://schemas.openxmlformats.org/markup-compatibility/2006" xmlns:p14="http://schemas.microsoft.com/office/powerpoint/2010/main">
+    <mc:Choice Requires="p14">
+      <p:transition/>
     </mc:Choice>
-    <mc:Fallback>
+    <mc:Fallback xmlns="">
       <p:transition/>
     </mc:Fallback>
   </mc:AlternateContent>
@@ -2557,32 +3462,42 @@
           </a:xfrm>
         </p:spPr>
         <p:txBody>
-          <a:bodyPr>
-            <a:normAutofit/>
-          </a:bodyPr>
+          <a:bodyPr/>
           <a:lstStyle/>
           <a:p>
             <a:pPr lvl="0">
               <a:defRPr lang="ko-KR" altLang="en-US"/>
             </a:pPr>
             <a:r>
-              <a:rPr lang="en-US" altLang="ko-KR" dirty="0" smtClean="0"/>
-              <a:t>5-3. Express</a:t>
-            </a:r>
-            <a:r>
-              <a:rPr lang="ko-KR" altLang="en-US" dirty="0" smtClean="0"/>
-              <a:t> </a:t>
+              <a:rPr lang="en-US" altLang="ko-KR" dirty="0"/>
+              <a:t>5</a:t>
             </a:r>
             <a:r>
               <a:rPr lang="ko-KR" altLang="en-US" dirty="0"/>
-              <a:t>- 로그인/게시판 </a:t>
-            </a:r>
+              <a:t>-</a:t>
+            </a:r>
+            <a:r>
+              <a:rPr lang="en-US" altLang="ko-KR" dirty="0"/>
+              <a:t>2</a:t>
+            </a:r>
+            <a:r>
+              <a:rPr lang="ko-KR" altLang="en-US" dirty="0"/>
+              <a:t>. </a:t>
+            </a:r>
+            <a:r>
+              <a:rPr lang="en-US" altLang="ko-KR" dirty="0"/>
+              <a:t>React </a:t>
+            </a:r>
+            <a:r>
+              <a:t>화면 구현</a:t>
+            </a:r>
+            <a:endParaRPr lang="en-US" altLang="ko-KR" dirty="0"/>
           </a:p>
         </p:txBody>
       </p:sp>
       <p:pic>
         <p:nvPicPr>
-          <p:cNvPr id="25" name="그림 24"/>
+          <p:cNvPr id="24" name="그림 23"/>
           <p:cNvPicPr>
             <a:picLocks noChangeAspect="1"/>
           </p:cNvPicPr>
@@ -2596,19 +3511,36 @@
         </p:blipFill>
         <p:spPr>
           <a:xfrm>
-            <a:off x="255190" y="1124712"/>
-            <a:ext cx="8633618" cy="3744467"/>
+            <a:off x="262736" y="980694"/>
+            <a:ext cx="3744468" cy="5473732"/>
           </a:xfrm>
           <a:prstGeom prst="rect">
             <a:avLst/>
           </a:prstGeom>
-          <a:ln>
-            <a:solidFill>
-              <a:schemeClr val="bg1">
-                <a:lumMod val="30000"/>
-              </a:schemeClr>
-            </a:solidFill>
-          </a:ln>
+        </p:spPr>
+      </p:pic>
+      <p:pic>
+        <p:nvPicPr>
+          <p:cNvPr id="26" name="그림 25"/>
+          <p:cNvPicPr>
+            <a:picLocks noChangeAspect="1"/>
+          </p:cNvPicPr>
+          <p:nvPr/>
+        </p:nvPicPr>
+        <p:blipFill rotWithShape="1">
+          <a:blip r:embed="rId3"/>
+          <a:stretch>
+            <a:fillRect/>
+          </a:stretch>
+        </p:blipFill>
+        <p:spPr>
+          <a:xfrm>
+            <a:off x="4211955" y="980694"/>
+            <a:ext cx="4752592" cy="5473732"/>
+          </a:xfrm>
+          <a:prstGeom prst="rect">
+            <a:avLst/>
+          </a:prstGeom>
         </p:spPr>
       </p:pic>
     </p:spTree>
@@ -2616,11 +3548,11 @@
   <p:clrMapOvr>
     <a:masterClrMapping/>
   </p:clrMapOvr>
-  <mc:AlternateContent xmlns:mc="http://schemas.openxmlformats.org/markup-compatibility/2006">
-    <mc:Choice xmlns="" xmlns:c="http://schemas.openxmlformats.org/drawingml/2006/chart" xmlns:dgm="http://schemas.openxmlformats.org/drawingml/2006/diagram" xmlns:dsp="http://schemas.microsoft.com/office/drawing/2008/diagram" xmlns:p14="http://schemas.microsoft.com/office/powerpoint/2010/main" Requires="p14">
-      <p:transition xmlns:mc="http://schemas.openxmlformats.org/markup-compatibility/2006" xmlns:p14="http://schemas.microsoft.com/office/powerpoint/2010/main" mc:Ignorable="p14" p14:dur="500"/>
+  <mc:AlternateContent xmlns:mc="http://schemas.openxmlformats.org/markup-compatibility/2006" xmlns:p14="http://schemas.microsoft.com/office/powerpoint/2010/main">
+    <mc:Choice Requires="p14">
+      <p:transition/>
     </mc:Choice>
-    <mc:Fallback>
+    <mc:Fallback xmlns="">
       <p:transition/>
     </mc:Fallback>
   </mc:AlternateContent>
@@ -2651,10 +3583,15 @@
             <a:spLocks noGrp="1"/>
           </p:cNvSpPr>
           <p:nvPr>
-            <p:ph type="ctrTitle"/>
+            <p:ph type="title"/>
           </p:nvPr>
         </p:nvSpPr>
-        <p:spPr/>
+        <p:spPr>
+          <a:xfrm>
+            <a:off x="457200" y="142852"/>
+            <a:ext cx="8686800" cy="654033"/>
+          </a:xfrm>
+        </p:spPr>
         <p:txBody>
           <a:bodyPr>
             <a:normAutofit/>
@@ -2665,46 +3602,58 @@
               <a:defRPr lang="ko-KR" altLang="en-US"/>
             </a:pPr>
             <a:r>
-              <a:rPr altLang="en-US" smtClean="0"/>
-              <a:t>개발된 페이지 시연 및 </a:t>
-            </a:r>
-            <a:r>
-              <a:rPr lang="en-US" altLang="ko-KR" dirty="0" smtClean="0"/>
-              <a:t>Q&amp;A</a:t>
-            </a:r>
-            <a:endParaRPr lang="ko-KR" altLang="en-US" dirty="0"/>
+              <a:rPr lang="en-US" altLang="ko-KR" dirty="0"/>
+              <a:t>5-3</a:t>
+            </a:r>
+            <a:r>
+              <a:rPr lang="ko-KR" altLang="en-US" dirty="0"/>
+              <a:t>. </a:t>
+            </a:r>
+            <a:r>
+              <a:rPr lang="en-US" altLang="ko-KR" dirty="0"/>
+              <a:t>Express</a:t>
+            </a:r>
+            <a:r>
+              <a:rPr lang="ko-KR" altLang="en-US" dirty="0"/>
+              <a:t> - 로그인/게시판 </a:t>
+            </a:r>
           </a:p>
         </p:txBody>
       </p:sp>
-      <p:sp>
-        <p:nvSpPr>
-          <p:cNvPr id="4" name="부제목 3"/>
-          <p:cNvSpPr>
-            <a:spLocks noGrp="1"/>
-          </p:cNvSpPr>
-          <p:nvPr>
-            <p:ph type="subTitle" idx="1"/>
-          </p:nvPr>
-        </p:nvSpPr>
-        <p:spPr/>
-        <p:txBody>
-          <a:bodyPr/>
-          <a:lstStyle/>
-          <a:p>
-            <a:endParaRPr lang="ko-KR" altLang="en-US" dirty="0"/>
-          </a:p>
-        </p:txBody>
-      </p:sp>
+      <p:pic>
+        <p:nvPicPr>
+          <p:cNvPr id="21" name="그림 20"/>
+          <p:cNvPicPr>
+            <a:picLocks noChangeAspect="1"/>
+          </p:cNvPicPr>
+          <p:nvPr/>
+        </p:nvPicPr>
+        <p:blipFill rotWithShape="1">
+          <a:blip r:embed="rId2"/>
+          <a:stretch>
+            <a:fillRect/>
+          </a:stretch>
+        </p:blipFill>
+        <p:spPr>
+          <a:xfrm>
+            <a:off x="760180" y="1007105"/>
+            <a:ext cx="7623639" cy="5662300"/>
+          </a:xfrm>
+          <a:prstGeom prst="rect">
+            <a:avLst/>
+          </a:prstGeom>
+        </p:spPr>
+      </p:pic>
     </p:spTree>
   </p:cSld>
   <p:clrMapOvr>
     <a:masterClrMapping/>
   </p:clrMapOvr>
-  <mc:AlternateContent xmlns:mc="http://schemas.openxmlformats.org/markup-compatibility/2006">
-    <mc:Choice xmlns="" xmlns:c="http://schemas.openxmlformats.org/drawingml/2006/chart" xmlns:dgm="http://schemas.openxmlformats.org/drawingml/2006/diagram" xmlns:dsp="http://schemas.microsoft.com/office/drawing/2008/diagram" xmlns:p14="http://schemas.microsoft.com/office/powerpoint/2010/main" Requires="p14">
-      <p:transition xmlns:mc="http://schemas.openxmlformats.org/markup-compatibility/2006" xmlns:p14="http://schemas.microsoft.com/office/powerpoint/2010/main" mc:Ignorable="p14" p14:dur="500"/>
+  <mc:AlternateContent xmlns:mc="http://schemas.openxmlformats.org/markup-compatibility/2006" xmlns:p14="http://schemas.microsoft.com/office/powerpoint/2010/main">
+    <mc:Choice Requires="p14">
+      <p:transition/>
     </mc:Choice>
-    <mc:Fallback>
+    <mc:Fallback xmlns="">
       <p:transition/>
     </mc:Fallback>
   </mc:AlternateContent>
@@ -2754,44 +3703,45 @@
               <a:defRPr lang="ko-KR" altLang="en-US"/>
             </a:pPr>
             <a:r>
-              <a:rPr altLang="en-US" smtClean="0"/>
-              <a:t>배포 페이지 방문</a:t>
-            </a:r>
-            <a:endParaRPr lang="ko-KR" altLang="en-US" dirty="0"/>
+              <a:rPr lang="en-US" altLang="ko-KR" dirty="0"/>
+              <a:t>5-3. Express</a:t>
+            </a:r>
+            <a:r>
+              <a:rPr lang="ko-KR" altLang="en-US" dirty="0"/>
+              <a:t> - 로그인/게시판 </a:t>
+            </a:r>
           </a:p>
         </p:txBody>
       </p:sp>
       <p:pic>
         <p:nvPicPr>
-          <p:cNvPr id="4" name="Picture 3"/>
+          <p:cNvPr id="25" name="그림 24"/>
           <p:cNvPicPr>
-            <a:picLocks noChangeAspect="1" noChangeArrowheads="1"/>
+            <a:picLocks noChangeAspect="1"/>
           </p:cNvPicPr>
           <p:nvPr/>
         </p:nvPicPr>
-        <p:blipFill>
+        <p:blipFill rotWithShape="1">
           <a:blip r:embed="rId2"/>
-          <a:srcRect/>
           <a:stretch>
             <a:fillRect/>
           </a:stretch>
         </p:blipFill>
-        <p:spPr bwMode="auto">
-          <a:xfrm>
-            <a:off x="1571604" y="1000108"/>
-            <a:ext cx="6215106" cy="5585431"/>
+        <p:spPr>
+          <a:xfrm>
+            <a:off x="255190" y="1124712"/>
+            <a:ext cx="8633618" cy="3744467"/>
           </a:xfrm>
           <a:prstGeom prst="rect">
             <a:avLst/>
           </a:prstGeom>
-          <a:noFill/>
-          <a:ln w="9525">
-            <a:noFill/>
-            <a:miter lim="800000"/>
-            <a:headEnd/>
-            <a:tailEnd/>
+          <a:ln>
+            <a:solidFill>
+              <a:schemeClr val="bg1">
+                <a:lumMod val="30000"/>
+              </a:schemeClr>
+            </a:solidFill>
           </a:ln>
-          <a:effectLst/>
         </p:spPr>
       </p:pic>
     </p:spTree>
@@ -2799,11 +3749,11 @@
   <p:clrMapOvr>
     <a:masterClrMapping/>
   </p:clrMapOvr>
-  <mc:AlternateContent xmlns:mc="http://schemas.openxmlformats.org/markup-compatibility/2006">
-    <mc:Choice xmlns="" xmlns:c="http://schemas.openxmlformats.org/drawingml/2006/chart" xmlns:dgm="http://schemas.openxmlformats.org/drawingml/2006/diagram" xmlns:dsp="http://schemas.microsoft.com/office/drawing/2008/diagram" xmlns:p14="http://schemas.microsoft.com/office/powerpoint/2010/main" Requires="p14">
-      <p:transition xmlns:mc="http://schemas.openxmlformats.org/markup-compatibility/2006" xmlns:p14="http://schemas.microsoft.com/office/powerpoint/2010/main" mc:Ignorable="p14" p14:dur="500"/>
+  <mc:AlternateContent xmlns:mc="http://schemas.openxmlformats.org/markup-compatibility/2006" xmlns:p14="http://schemas.microsoft.com/office/powerpoint/2010/main">
+    <mc:Choice Requires="p14">
+      <p:transition/>
     </mc:Choice>
-    <mc:Fallback>
+    <mc:Fallback xmlns="">
       <p:transition/>
     </mc:Fallback>
   </mc:AlternateContent>
@@ -2848,12 +3798,12 @@
               <a:defRPr lang="ko-KR" altLang="en-US"/>
             </a:pPr>
             <a:r>
-              <a:rPr altLang="en-US" smtClean="0"/>
-              <a:t>감사합니다</a:t>
-            </a:r>
-            <a:r>
-              <a:rPr lang="en-US" altLang="en-US" dirty="0" smtClean="0"/>
-              <a:t>.</a:t>
+              <a:rPr altLang="en-US"/>
+              <a:t>개발된 페이지 시연 및 </a:t>
+            </a:r>
+            <a:r>
+              <a:rPr lang="en-US" altLang="ko-KR" dirty="0"/>
+              <a:t>Q&amp;A</a:t>
             </a:r>
             <a:endParaRPr lang="ko-KR" altLang="en-US" dirty="0"/>
           </a:p>
@@ -2861,7 +3811,7 @@
       </p:sp>
       <p:sp>
         <p:nvSpPr>
-          <p:cNvPr id="5" name="부제목 4"/>
+          <p:cNvPr id="4" name="부제목 3"/>
           <p:cNvSpPr>
             <a:spLocks noGrp="1"/>
           </p:cNvSpPr>
@@ -2874,7 +3824,7 @@
           <a:bodyPr/>
           <a:lstStyle/>
           <a:p>
-            <a:endParaRPr lang="ko-KR" altLang="en-US"/>
+            <a:endParaRPr lang="ko-KR" altLang="en-US" dirty="0"/>
           </a:p>
         </p:txBody>
       </p:sp>
@@ -2883,11 +3833,11 @@
   <p:clrMapOvr>
     <a:masterClrMapping/>
   </p:clrMapOvr>
-  <mc:AlternateContent xmlns:mc="http://schemas.openxmlformats.org/markup-compatibility/2006">
-    <mc:Choice xmlns="" xmlns:c="http://schemas.openxmlformats.org/drawingml/2006/chart" xmlns:dgm="http://schemas.openxmlformats.org/drawingml/2006/diagram" xmlns:dsp="http://schemas.microsoft.com/office/drawing/2008/diagram" xmlns:p14="http://schemas.microsoft.com/office/powerpoint/2010/main" Requires="p14">
-      <p:transition xmlns:mc="http://schemas.openxmlformats.org/markup-compatibility/2006" xmlns:p14="http://schemas.microsoft.com/office/powerpoint/2010/main" mc:Ignorable="p14" p14:dur="500"/>
+  <mc:AlternateContent xmlns:mc="http://schemas.openxmlformats.org/markup-compatibility/2006" xmlns:p14="http://schemas.microsoft.com/office/powerpoint/2010/main">
+    <mc:Choice Requires="p14">
+      <p:transition/>
     </mc:Choice>
-    <mc:Fallback>
+    <mc:Fallback xmlns="">
       <p:transition/>
     </mc:Fallback>
   </mc:AlternateContent>
@@ -3130,7 +4080,7 @@
               <a:t>2. </a:t>
             </a:r>
             <a:r>
-              <a:rPr altLang="en-US" smtClean="0"/>
+              <a:rPr altLang="en-US"/>
               <a:t>팀원 소개 및 기술 스택</a:t>
             </a:r>
             <a:endParaRPr lang="ko-KR" altLang="en-US" dirty="0"/>
@@ -3149,8 +4099,8 @@
         </p:nvSpPr>
         <p:spPr>
           <a:xfrm>
-            <a:off x="457200" y="1214422"/>
-            <a:ext cx="3971924" cy="2428892"/>
+            <a:off x="457200" y="1214421"/>
+            <a:ext cx="4206514" cy="2750391"/>
           </a:xfrm>
         </p:spPr>
         <p:txBody>
@@ -3164,13 +4114,9 @@
             </a:pPr>
             <a:r>
               <a:rPr lang="ko-KR" altLang="en-US" dirty="0"/>
-              <a:t> </a:t>
-            </a:r>
-            <a:r>
-              <a:rPr lang="ko-KR" altLang="en-US" dirty="0" smtClean="0"/>
-              <a:t>팀원 소개</a:t>
-            </a:r>
-            <a:endParaRPr lang="en-US" altLang="ko-KR" dirty="0" smtClean="0"/>
+              <a:t> 팀원 소개</a:t>
+            </a:r>
+            <a:endParaRPr lang="en-US" altLang="ko-KR" dirty="0"/>
           </a:p>
           <a:p>
             <a:pPr lvl="0">
@@ -3178,15 +4124,15 @@
               <a:defRPr lang="ko-KR" altLang="en-US"/>
             </a:pPr>
             <a:r>
-              <a:rPr lang="ko-KR" altLang="en-US" dirty="0" smtClean="0"/>
+              <a:rPr lang="ko-KR" altLang="en-US" dirty="0"/>
               <a:t>박원빈 </a:t>
             </a:r>
             <a:r>
-              <a:rPr lang="en-US" altLang="ko-KR" dirty="0" smtClean="0"/>
+              <a:rPr lang="en-US" altLang="ko-KR" dirty="0"/>
               <a:t>: </a:t>
             </a:r>
             <a:r>
-              <a:rPr lang="en-US" altLang="ko-KR" dirty="0" err="1" smtClean="0"/>
+              <a:rPr lang="en-US" altLang="ko-KR" dirty="0" err="1"/>
               <a:t>FullStack</a:t>
             </a:r>
             <a:endParaRPr lang="ko-KR" altLang="en-US" dirty="0"/>
@@ -3197,19 +4143,19 @@
               <a:defRPr lang="ko-KR" altLang="en-US"/>
             </a:pPr>
             <a:r>
-              <a:rPr lang="ko-KR" altLang="en-US" dirty="0" smtClean="0"/>
+              <a:rPr lang="ko-KR" altLang="en-US" dirty="0"/>
               <a:t>정승호 </a:t>
             </a:r>
             <a:r>
-              <a:rPr lang="en-US" altLang="ko-KR" dirty="0" smtClean="0"/>
+              <a:rPr lang="en-US" altLang="ko-KR" dirty="0"/>
               <a:t>: </a:t>
             </a:r>
             <a:r>
-              <a:rPr lang="en-US" altLang="en-US" dirty="0" smtClean="0"/>
+              <a:rPr lang="en-US" altLang="en-US" dirty="0"/>
               <a:t>API - </a:t>
             </a:r>
             <a:r>
-              <a:rPr lang="en-US" altLang="ko-KR" dirty="0" smtClean="0"/>
+              <a:rPr lang="en-US" altLang="ko-KR" dirty="0"/>
               <a:t>Flask</a:t>
             </a:r>
           </a:p>
@@ -3219,22 +4165,22 @@
               <a:defRPr lang="ko-KR" altLang="en-US"/>
             </a:pPr>
             <a:r>
-              <a:rPr lang="ko-KR" altLang="en-US" dirty="0" smtClean="0"/>
+              <a:rPr lang="ko-KR" altLang="en-US" dirty="0"/>
               <a:t>이정훈 </a:t>
             </a:r>
             <a:r>
-              <a:rPr lang="en-US" altLang="ko-KR" dirty="0" smtClean="0"/>
+              <a:rPr lang="en-US" altLang="ko-KR" dirty="0"/>
               <a:t>: </a:t>
             </a:r>
             <a:r>
-              <a:rPr lang="en-US" altLang="en-US" dirty="0" err="1" smtClean="0"/>
+              <a:rPr lang="en-US" altLang="en-US" dirty="0" err="1"/>
               <a:t>BackEnd</a:t>
             </a:r>
             <a:r>
-              <a:rPr lang="en-US" altLang="en-US" dirty="0" smtClean="0"/>
+              <a:rPr lang="en-US" altLang="en-US" dirty="0"/>
               <a:t> - Express</a:t>
             </a:r>
-            <a:endParaRPr lang="en-US" altLang="ko-KR" dirty="0" smtClean="0"/>
+            <a:endParaRPr lang="en-US" altLang="ko-KR" dirty="0"/>
           </a:p>
           <a:p>
             <a:pPr lvl="0">
@@ -3242,30 +4188,39 @@
               <a:defRPr lang="ko-KR" altLang="en-US"/>
             </a:pPr>
             <a:r>
-              <a:rPr lang="ko-KR" altLang="en-US" dirty="0" smtClean="0"/>
+              <a:rPr lang="ko-KR" altLang="en-US" dirty="0"/>
               <a:t>김여진 </a:t>
             </a:r>
             <a:r>
-              <a:rPr lang="en-US" altLang="ko-KR" dirty="0" smtClean="0"/>
+              <a:rPr lang="en-US" altLang="ko-KR" dirty="0"/>
               <a:t>: </a:t>
             </a:r>
             <a:r>
-              <a:rPr lang="en-US" altLang="en-US" dirty="0" err="1" smtClean="0"/>
+              <a:rPr lang="en-US" altLang="en-US" dirty="0" err="1"/>
               <a:t>FrontEnd</a:t>
             </a:r>
             <a:r>
-              <a:rPr lang="en-US" altLang="en-US" dirty="0" smtClean="0"/>
+              <a:rPr lang="en-US" altLang="en-US" dirty="0"/>
               <a:t> - </a:t>
             </a:r>
             <a:r>
-              <a:rPr lang="en-US" altLang="ko-KR" dirty="0" smtClean="0"/>
+              <a:rPr lang="en-US" altLang="ko-KR" dirty="0"/>
               <a:t>React</a:t>
             </a:r>
           </a:p>
           <a:p>
-            <a:pPr lvl="0">
+            <a:pPr marL="0" lvl="0" indent="0">
+              <a:buNone/>
               <a:defRPr lang="ko-KR" altLang="en-US"/>
             </a:pPr>
+            <a:r>
+              <a:rPr lang="ko-KR" altLang="en-US" dirty="0"/>
+              <a:t>최원호 </a:t>
+            </a:r>
+            <a:r>
+              <a:rPr lang="en-US" altLang="ko-KR" dirty="0"/>
+              <a:t>: DB - Oracle11g</a:t>
+            </a:r>
             <a:endParaRPr lang="ko-KR" altLang="en-US" dirty="0"/>
           </a:p>
         </p:txBody>
@@ -4503,7 +5458,7 @@
               <a:lstStyle/>
               <a:p>
                 <a:r>
-                  <a:rPr lang="en-US" altLang="ko-KR" sz="1200" b="1" dirty="0" smtClean="0">
+                  <a:rPr lang="en-US" altLang="ko-KR" sz="1200" b="1" dirty="0">
                     <a:latin typeface="Microsoft JhengHei" pitchFamily="34" charset="-120"/>
                     <a:ea typeface="Microsoft JhengHei" pitchFamily="34" charset="-120"/>
                   </a:rPr>
@@ -4918,30 +5873,30 @@
           <a:lstStyle/>
           <a:p>
             <a:r>
-              <a:rPr lang="en-US" altLang="ko-KR" sz="1400" dirty="0" smtClean="0">
+              <a:rPr lang="en-US" altLang="ko-KR" sz="1400" dirty="0">
                 <a:hlinkClick r:id="rId18"/>
               </a:rPr>
               <a:t>https://wbpark.app</a:t>
             </a:r>
-            <a:endParaRPr lang="en-US" altLang="ko-KR" sz="1400" dirty="0" smtClean="0"/>
-          </a:p>
-          <a:p>
-            <a:r>
-              <a:rPr lang="en-US" altLang="ko-KR" sz="1400" dirty="0" smtClean="0">
+            <a:endParaRPr lang="en-US" altLang="ko-KR" sz="1400" dirty="0"/>
+          </a:p>
+          <a:p>
+            <a:r>
+              <a:rPr lang="en-US" altLang="ko-KR" sz="1400" dirty="0">
                 <a:hlinkClick r:id="rId19"/>
               </a:rPr>
               <a:t>https://aicc4.wbpark.app</a:t>
             </a:r>
-            <a:endParaRPr lang="en-US" altLang="ko-KR" sz="1400" dirty="0" smtClean="0"/>
-          </a:p>
-          <a:p>
-            <a:r>
-              <a:rPr lang="en-US" altLang="ko-KR" sz="1400" dirty="0" smtClean="0">
+            <a:endParaRPr lang="en-US" altLang="ko-KR" sz="1400" dirty="0"/>
+          </a:p>
+          <a:p>
+            <a:r>
+              <a:rPr lang="en-US" altLang="ko-KR" sz="1400" dirty="0">
                 <a:hlinkClick r:id="rId20"/>
               </a:rPr>
               <a:t>https://aicc4flask.wbpark.app</a:t>
             </a:r>
-            <a:endParaRPr lang="en-US" altLang="ko-KR" sz="1400" dirty="0" smtClean="0"/>
+            <a:endParaRPr lang="en-US" altLang="ko-KR" sz="1400" dirty="0"/>
           </a:p>
         </p:txBody>
       </p:sp>
@@ -4992,11 +5947,194 @@
   <p:clrMapOvr>
     <a:masterClrMapping/>
   </p:clrMapOvr>
-  <mc:AlternateContent xmlns:mc="http://schemas.openxmlformats.org/markup-compatibility/2006">
-    <mc:Choice xmlns="" xmlns:c="http://schemas.openxmlformats.org/drawingml/2006/chart" xmlns:dgm="http://schemas.openxmlformats.org/drawingml/2006/diagram" xmlns:dsp="http://schemas.microsoft.com/office/drawing/2008/diagram" xmlns:p14="http://schemas.microsoft.com/office/powerpoint/2010/main" Requires="p14">
-      <p:transition xmlns:mc="http://schemas.openxmlformats.org/markup-compatibility/2006" xmlns:p14="http://schemas.microsoft.com/office/powerpoint/2010/main" mc:Ignorable="p14" p14:dur="500"/>
+  <mc:AlternateContent xmlns:mc="http://schemas.openxmlformats.org/markup-compatibility/2006" xmlns:p14="http://schemas.microsoft.com/office/powerpoint/2010/main">
+    <mc:Choice Requires="p14">
+      <p:transition/>
     </mc:Choice>
-    <mc:Fallback>
+    <mc:Fallback xmlns="">
+      <p:transition/>
+    </mc:Fallback>
+  </mc:AlternateContent>
+</p:sld>
+</file>
+
+<file path=ppt/slides/slide20.xml><?xml version="1.0" encoding="utf-8"?>
+<p:sld xmlns:a="http://schemas.openxmlformats.org/drawingml/2006/main" xmlns:r="http://schemas.openxmlformats.org/officeDocument/2006/relationships" xmlns:p="http://schemas.openxmlformats.org/presentationml/2006/main">
+  <p:cSld>
+    <p:spTree>
+      <p:nvGrpSpPr>
+        <p:cNvPr id="1" name=""/>
+        <p:cNvGrpSpPr/>
+        <p:nvPr/>
+      </p:nvGrpSpPr>
+      <p:grpSpPr>
+        <a:xfrm>
+          <a:off x="0" y="0"/>
+          <a:ext cx="0" cy="0"/>
+          <a:chOff x="0" y="0"/>
+          <a:chExt cx="0" cy="0"/>
+        </a:xfrm>
+      </p:grpSpPr>
+      <p:sp>
+        <p:nvSpPr>
+          <p:cNvPr id="2" name="제목 1"/>
+          <p:cNvSpPr>
+            <a:spLocks noGrp="1"/>
+          </p:cNvSpPr>
+          <p:nvPr>
+            <p:ph type="title"/>
+          </p:nvPr>
+        </p:nvSpPr>
+        <p:spPr>
+          <a:xfrm>
+            <a:off x="457200" y="142852"/>
+            <a:ext cx="8686800" cy="654033"/>
+          </a:xfrm>
+        </p:spPr>
+        <p:txBody>
+          <a:bodyPr>
+            <a:normAutofit/>
+          </a:bodyPr>
+          <a:lstStyle/>
+          <a:p>
+            <a:pPr lvl="0">
+              <a:defRPr lang="ko-KR" altLang="en-US"/>
+            </a:pPr>
+            <a:r>
+              <a:rPr altLang="en-US"/>
+              <a:t>배포 페이지 방문</a:t>
+            </a:r>
+            <a:endParaRPr lang="ko-KR" altLang="en-US" dirty="0"/>
+          </a:p>
+        </p:txBody>
+      </p:sp>
+      <p:pic>
+        <p:nvPicPr>
+          <p:cNvPr id="4" name="Picture 3"/>
+          <p:cNvPicPr>
+            <a:picLocks noChangeAspect="1" noChangeArrowheads="1"/>
+          </p:cNvPicPr>
+          <p:nvPr/>
+        </p:nvPicPr>
+        <p:blipFill>
+          <a:blip r:embed="rId2"/>
+          <a:srcRect/>
+          <a:stretch>
+            <a:fillRect/>
+          </a:stretch>
+        </p:blipFill>
+        <p:spPr bwMode="auto">
+          <a:xfrm>
+            <a:off x="1571604" y="1000108"/>
+            <a:ext cx="6215106" cy="5585431"/>
+          </a:xfrm>
+          <a:prstGeom prst="rect">
+            <a:avLst/>
+          </a:prstGeom>
+          <a:noFill/>
+          <a:ln w="9525">
+            <a:noFill/>
+            <a:miter lim="800000"/>
+            <a:headEnd/>
+            <a:tailEnd/>
+          </a:ln>
+          <a:effectLst/>
+        </p:spPr>
+      </p:pic>
+    </p:spTree>
+  </p:cSld>
+  <p:clrMapOvr>
+    <a:masterClrMapping/>
+  </p:clrMapOvr>
+  <mc:AlternateContent xmlns:mc="http://schemas.openxmlformats.org/markup-compatibility/2006" xmlns:p14="http://schemas.microsoft.com/office/powerpoint/2010/main">
+    <mc:Choice Requires="p14">
+      <p:transition/>
+    </mc:Choice>
+    <mc:Fallback xmlns="">
+      <p:transition/>
+    </mc:Fallback>
+  </mc:AlternateContent>
+</p:sld>
+</file>
+
+<file path=ppt/slides/slide21.xml><?xml version="1.0" encoding="utf-8"?>
+<p:sld xmlns:a="http://schemas.openxmlformats.org/drawingml/2006/main" xmlns:r="http://schemas.openxmlformats.org/officeDocument/2006/relationships" xmlns:p="http://schemas.openxmlformats.org/presentationml/2006/main">
+  <p:cSld>
+    <p:spTree>
+      <p:nvGrpSpPr>
+        <p:cNvPr id="1" name=""/>
+        <p:cNvGrpSpPr/>
+        <p:nvPr/>
+      </p:nvGrpSpPr>
+      <p:grpSpPr>
+        <a:xfrm>
+          <a:off x="0" y="0"/>
+          <a:ext cx="0" cy="0"/>
+          <a:chOff x="0" y="0"/>
+          <a:chExt cx="0" cy="0"/>
+        </a:xfrm>
+      </p:grpSpPr>
+      <p:sp>
+        <p:nvSpPr>
+          <p:cNvPr id="2" name="제목 1"/>
+          <p:cNvSpPr>
+            <a:spLocks noGrp="1"/>
+          </p:cNvSpPr>
+          <p:nvPr>
+            <p:ph type="ctrTitle"/>
+          </p:nvPr>
+        </p:nvSpPr>
+        <p:spPr/>
+        <p:txBody>
+          <a:bodyPr>
+            <a:normAutofit/>
+          </a:bodyPr>
+          <a:lstStyle/>
+          <a:p>
+            <a:pPr lvl="0">
+              <a:defRPr lang="ko-KR" altLang="en-US"/>
+            </a:pPr>
+            <a:r>
+              <a:rPr altLang="en-US"/>
+              <a:t>감사합니다</a:t>
+            </a:r>
+            <a:r>
+              <a:rPr lang="en-US" altLang="en-US" dirty="0"/>
+              <a:t>.</a:t>
+            </a:r>
+            <a:endParaRPr lang="ko-KR" altLang="en-US" dirty="0"/>
+          </a:p>
+        </p:txBody>
+      </p:sp>
+      <p:sp>
+        <p:nvSpPr>
+          <p:cNvPr id="5" name="부제목 4"/>
+          <p:cNvSpPr>
+            <a:spLocks noGrp="1"/>
+          </p:cNvSpPr>
+          <p:nvPr>
+            <p:ph type="subTitle" idx="1"/>
+          </p:nvPr>
+        </p:nvSpPr>
+        <p:spPr/>
+        <p:txBody>
+          <a:bodyPr/>
+          <a:lstStyle/>
+          <a:p>
+            <a:endParaRPr lang="ko-KR" altLang="en-US"/>
+          </a:p>
+        </p:txBody>
+      </p:sp>
+    </p:spTree>
+  </p:cSld>
+  <p:clrMapOvr>
+    <a:masterClrMapping/>
+  </p:clrMapOvr>
+  <mc:AlternateContent xmlns:mc="http://schemas.openxmlformats.org/markup-compatibility/2006" xmlns:p14="http://schemas.microsoft.com/office/powerpoint/2010/main">
+    <mc:Choice Requires="p14">
+      <p:transition/>
+    </mc:Choice>
+    <mc:Fallback xmlns="">
       <p:transition/>
     </mc:Fallback>
   </mc:AlternateContent>
@@ -5039,16 +6177,12 @@
               <a:defRPr lang="ko-KR" altLang="en-US"/>
             </a:pPr>
             <a:r>
-              <a:rPr lang="en-US" altLang="ko-KR" dirty="0" smtClean="0"/>
+              <a:rPr lang="en-US" altLang="ko-KR" dirty="0"/>
               <a:t>3</a:t>
             </a:r>
             <a:r>
-              <a:rPr lang="ko-KR" altLang="en-US" dirty="0" smtClean="0"/>
-              <a:t>. </a:t>
-            </a:r>
-            <a:r>
               <a:rPr lang="ko-KR" altLang="en-US" dirty="0"/>
-              <a:t>프로젝트 개요</a:t>
+              <a:t>. 프로젝트 개요</a:t>
             </a:r>
           </a:p>
         </p:txBody>
@@ -5065,25 +6199,27 @@
         </p:nvSpPr>
         <p:spPr/>
         <p:txBody>
-          <a:bodyPr/>
+          <a:bodyPr>
+            <a:normAutofit/>
+          </a:bodyPr>
           <a:lstStyle/>
           <a:p>
             <a:pPr lvl="0">
               <a:defRPr lang="ko-KR" altLang="en-US"/>
             </a:pPr>
             <a:r>
-              <a:rPr lang="ko-KR" altLang="en-US" dirty="0"/>
+              <a:rPr lang="ko-KR" altLang="en-US" sz="2000" dirty="0"/>
               <a:t> 기본 </a:t>
             </a:r>
             <a:r>
-              <a:rPr lang="ko-KR" altLang="en-US" dirty="0" err="1"/>
+              <a:rPr lang="ko-KR" altLang="en-US" sz="2000" dirty="0" err="1"/>
               <a:t>컨셉</a:t>
             </a:r>
             <a:r>
-              <a:rPr lang="ko-KR" altLang="en-US" dirty="0"/>
+              <a:rPr lang="ko-KR" altLang="en-US" sz="2000" dirty="0"/>
               <a:t> (목적) </a:t>
             </a:r>
-            <a:endParaRPr lang="en-US" altLang="ko-KR" dirty="0" smtClean="0"/>
+            <a:endParaRPr lang="en-US" altLang="ko-KR" sz="2000" dirty="0"/>
           </a:p>
           <a:p>
             <a:pPr lvl="0">
@@ -5091,10 +6227,9 @@
               <a:defRPr lang="ko-KR" altLang="en-US"/>
             </a:pPr>
             <a:r>
-              <a:rPr lang="ko-KR" altLang="en-US" dirty="0" smtClean="0"/>
+              <a:rPr lang="ko-KR" altLang="en-US" sz="2000" dirty="0"/>
               <a:t>본인이 친숙하고 자주 쓰는 서비스 구현</a:t>
             </a:r>
-            <a:endParaRPr lang="ko-KR" altLang="en-US" dirty="0"/>
           </a:p>
           <a:p>
             <a:pPr lvl="0">
@@ -5102,53 +6237,53 @@
               <a:defRPr lang="ko-KR" altLang="en-US"/>
             </a:pPr>
             <a:r>
-              <a:rPr lang="en-US" altLang="en-US" dirty="0" smtClean="0"/>
+              <a:rPr lang="en-US" altLang="en-US" sz="2000" dirty="0"/>
               <a:t>- </a:t>
             </a:r>
             <a:r>
-              <a:rPr lang="en-US" altLang="en-US" dirty="0" err="1" smtClean="0"/>
+              <a:rPr lang="en-US" altLang="en-US" sz="2000" dirty="0" err="1"/>
               <a:t>ChatGPT</a:t>
             </a:r>
             <a:r>
-              <a:rPr lang="en-US" altLang="en-US" dirty="0" smtClean="0"/>
+              <a:rPr lang="en-US" altLang="en-US" sz="2000" dirty="0"/>
               <a:t> </a:t>
             </a:r>
             <a:r>
-              <a:rPr lang="ko-KR" altLang="en-US" dirty="0" smtClean="0"/>
+              <a:rPr lang="ko-KR" altLang="en-US" sz="2000" dirty="0"/>
               <a:t>의 기능과 </a:t>
             </a:r>
             <a:r>
-              <a:rPr lang="en-US" altLang="en-US" dirty="0" err="1" smtClean="0"/>
+              <a:rPr lang="en-US" altLang="en-US" sz="2000" dirty="0" err="1"/>
               <a:t>KakaoTalk</a:t>
             </a:r>
             <a:r>
-              <a:rPr lang="en-US" altLang="en-US" dirty="0" smtClean="0"/>
+              <a:rPr lang="en-US" altLang="en-US" sz="2000" dirty="0"/>
               <a:t> </a:t>
             </a:r>
             <a:r>
-              <a:rPr lang="ko-KR" altLang="en-US" dirty="0" smtClean="0"/>
+              <a:rPr lang="ko-KR" altLang="en-US" sz="2000" dirty="0"/>
               <a:t>화면</a:t>
             </a:r>
-            <a:endParaRPr lang="en-US" altLang="en-US" dirty="0"/>
+            <a:endParaRPr lang="en-US" altLang="en-US" sz="2000" dirty="0"/>
           </a:p>
           <a:p>
             <a:pPr lvl="0">
               <a:defRPr lang="ko-KR" altLang="en-US"/>
             </a:pPr>
-            <a:endParaRPr lang="en-US" altLang="ko-KR" dirty="0" smtClean="0"/>
+            <a:endParaRPr lang="en-US" altLang="ko-KR" sz="2000" dirty="0"/>
           </a:p>
           <a:p>
             <a:pPr lvl="0">
               <a:defRPr lang="ko-KR" altLang="en-US"/>
             </a:pPr>
-            <a:endParaRPr lang="ko-KR" altLang="en-US" dirty="0" smtClean="0"/>
+            <a:endParaRPr lang="ko-KR" altLang="en-US" sz="2000" dirty="0"/>
           </a:p>
           <a:p>
             <a:pPr lvl="0">
               <a:defRPr lang="ko-KR" altLang="en-US"/>
             </a:pPr>
             <a:r>
-              <a:rPr lang="ko-KR" altLang="en-US" dirty="0" smtClean="0"/>
+              <a:rPr lang="ko-KR" altLang="en-US" sz="2000" dirty="0"/>
               <a:t> 프로젝트 주요 기능</a:t>
             </a:r>
           </a:p>
@@ -5159,42 +6294,42 @@
               <a:defRPr lang="ko-KR" altLang="en-US"/>
             </a:pPr>
             <a:r>
-              <a:rPr lang="ko-KR" altLang="en-US" dirty="0" smtClean="0"/>
+              <a:rPr lang="ko-KR" altLang="en-US" sz="2000" dirty="0"/>
               <a:t>회원 </a:t>
             </a:r>
             <a:r>
-              <a:rPr lang="en-US" altLang="ko-KR" dirty="0" smtClean="0"/>
+              <a:rPr lang="en-US" altLang="ko-KR" sz="2000" dirty="0"/>
               <a:t>: </a:t>
             </a:r>
             <a:r>
-              <a:rPr lang="ko-KR" altLang="en-US" dirty="0" smtClean="0"/>
+              <a:rPr lang="ko-KR" altLang="en-US" sz="2000" dirty="0"/>
               <a:t>가입</a:t>
             </a:r>
             <a:r>
-              <a:rPr lang="en-US" altLang="ko-KR" dirty="0" smtClean="0"/>
+              <a:rPr lang="en-US" altLang="ko-KR" sz="2000" dirty="0"/>
               <a:t> / </a:t>
             </a:r>
             <a:r>
-              <a:rPr lang="ko-KR" altLang="en-US" dirty="0" smtClean="0"/>
+              <a:rPr lang="ko-KR" altLang="en-US" sz="2000" dirty="0"/>
               <a:t>로그인 </a:t>
             </a:r>
             <a:r>
-              <a:rPr lang="en-US" altLang="ko-KR" dirty="0" smtClean="0"/>
+              <a:rPr lang="en-US" altLang="ko-KR" sz="2000" dirty="0"/>
               <a:t>/ </a:t>
             </a:r>
             <a:r>
-              <a:rPr lang="ko-KR" altLang="en-US" dirty="0" smtClean="0"/>
+              <a:rPr lang="ko-KR" altLang="en-US" sz="2000" dirty="0"/>
               <a:t>변경 </a:t>
             </a:r>
             <a:r>
-              <a:rPr lang="en-US" altLang="ko-KR" dirty="0" smtClean="0"/>
+              <a:rPr lang="en-US" altLang="ko-KR" sz="2000" dirty="0"/>
               <a:t>/ </a:t>
             </a:r>
             <a:r>
-              <a:rPr lang="ko-KR" altLang="en-US" dirty="0" smtClean="0"/>
+              <a:rPr lang="ko-KR" altLang="en-US" sz="2000" dirty="0"/>
               <a:t>탈퇴</a:t>
             </a:r>
-            <a:endParaRPr lang="en-US" altLang="ko-KR" dirty="0" smtClean="0"/>
+            <a:endParaRPr lang="en-US" altLang="ko-KR" sz="2000" dirty="0"/>
           </a:p>
           <a:p>
             <a:pPr>
@@ -5203,14 +6338,14 @@
               <a:defRPr lang="ko-KR" altLang="en-US"/>
             </a:pPr>
             <a:r>
-              <a:rPr lang="ko-KR" altLang="en-US" dirty="0" err="1" smtClean="0"/>
+              <a:rPr lang="ko-KR" altLang="en-US" sz="2000" dirty="0" err="1"/>
               <a:t>챗봇</a:t>
             </a:r>
             <a:r>
-              <a:rPr lang="ko-KR" altLang="en-US" dirty="0" smtClean="0"/>
+              <a:rPr lang="ko-KR" altLang="en-US" sz="2000" dirty="0"/>
               <a:t> : 생성/ 조회 / 수정 /삭제</a:t>
             </a:r>
-            <a:endParaRPr lang="en-US" altLang="ko-KR" dirty="0" smtClean="0"/>
+            <a:endParaRPr lang="en-US" altLang="ko-KR" sz="2000" dirty="0"/>
           </a:p>
           <a:p>
             <a:pPr lvl="0">
@@ -5218,19 +6353,19 @@
               <a:defRPr lang="ko-KR" altLang="en-US"/>
             </a:pPr>
             <a:r>
-              <a:rPr lang="ko-KR" altLang="en-US" dirty="0" smtClean="0"/>
+              <a:rPr lang="ko-KR" altLang="en-US" sz="2000" dirty="0"/>
               <a:t>- 대화방 : 생성 / 조회 </a:t>
             </a:r>
             <a:r>
-              <a:rPr lang="en-US" altLang="ko-KR" dirty="0" smtClean="0"/>
+              <a:rPr lang="en-US" altLang="ko-KR" sz="2000" dirty="0"/>
               <a:t>/ </a:t>
             </a:r>
             <a:r>
-              <a:rPr lang="ko-KR" altLang="en-US" dirty="0" smtClean="0"/>
+              <a:rPr lang="ko-KR" altLang="en-US" sz="2000" dirty="0"/>
               <a:t>삭제</a:t>
             </a:r>
             <a:r>
-              <a:rPr lang="en-US" altLang="ko-KR" dirty="0" smtClean="0"/>
+              <a:rPr lang="en-US" altLang="ko-KR" sz="2000" dirty="0"/>
               <a:t> </a:t>
             </a:r>
           </a:p>
@@ -5240,38 +6375,38 @@
               <a:defRPr lang="ko-KR" altLang="en-US"/>
             </a:pPr>
             <a:r>
-              <a:rPr lang="ko-KR" altLang="en-US" dirty="0" smtClean="0"/>
+              <a:rPr lang="ko-KR" altLang="en-US" sz="2000" dirty="0"/>
               <a:t>- 메시지 : 생성</a:t>
             </a:r>
             <a:r>
-              <a:rPr lang="en-US" altLang="ko-KR" dirty="0" smtClean="0"/>
+              <a:rPr lang="en-US" altLang="ko-KR" sz="2000" dirty="0"/>
               <a:t>(</a:t>
             </a:r>
             <a:r>
-              <a:rPr lang="ko-KR" altLang="en-US" dirty="0" smtClean="0"/>
+              <a:rPr lang="ko-KR" altLang="en-US" sz="2000" dirty="0"/>
               <a:t>유저</a:t>
             </a:r>
             <a:r>
-              <a:rPr lang="en-US" altLang="ko-KR" dirty="0" smtClean="0"/>
+              <a:rPr lang="en-US" altLang="ko-KR" sz="2000" dirty="0"/>
               <a:t>) / </a:t>
             </a:r>
             <a:r>
-              <a:rPr lang="ko-KR" altLang="en-US" dirty="0" smtClean="0"/>
+              <a:rPr lang="ko-KR" altLang="en-US" sz="2000" dirty="0"/>
               <a:t>생성</a:t>
             </a:r>
             <a:r>
-              <a:rPr lang="en-US" altLang="ko-KR" dirty="0" smtClean="0"/>
+              <a:rPr lang="en-US" altLang="ko-KR" sz="2000" dirty="0"/>
               <a:t>(</a:t>
             </a:r>
             <a:r>
-              <a:rPr lang="ko-KR" altLang="en-US" dirty="0" err="1" smtClean="0"/>
+              <a:rPr lang="ko-KR" altLang="en-US" sz="2000" dirty="0" err="1"/>
               <a:t>챗봇</a:t>
             </a:r>
             <a:r>
-              <a:rPr lang="en-US" altLang="ko-KR" dirty="0" smtClean="0"/>
+              <a:rPr lang="en-US" altLang="ko-KR" sz="2000" dirty="0"/>
               <a:t>)</a:t>
             </a:r>
-            <a:endParaRPr lang="ko-KR" altLang="en-US" dirty="0"/>
+            <a:endParaRPr lang="ko-KR" altLang="en-US" sz="2000" dirty="0"/>
           </a:p>
         </p:txBody>
       </p:sp>
@@ -5379,11 +6514,11 @@
   <p:clrMapOvr>
     <a:masterClrMapping/>
   </p:clrMapOvr>
-  <mc:AlternateContent xmlns:mc="http://schemas.openxmlformats.org/markup-compatibility/2006">
-    <mc:Choice xmlns="" xmlns:c="http://schemas.openxmlformats.org/drawingml/2006/chart" xmlns:dgm="http://schemas.openxmlformats.org/drawingml/2006/diagram" xmlns:dsp="http://schemas.microsoft.com/office/drawing/2008/diagram" xmlns:p14="http://schemas.microsoft.com/office/powerpoint/2010/main" Requires="p14">
-      <p:transition xmlns:mc="http://schemas.openxmlformats.org/markup-compatibility/2006" xmlns:p14="http://schemas.microsoft.com/office/powerpoint/2010/main" mc:Ignorable="p14" p14:dur="500"/>
+  <mc:AlternateContent xmlns:mc="http://schemas.openxmlformats.org/markup-compatibility/2006" xmlns:p14="http://schemas.microsoft.com/office/powerpoint/2010/main">
+    <mc:Choice Requires="p14">
+      <p:transition/>
     </mc:Choice>
-    <mc:Fallback>
+    <mc:Fallback xmlns="">
       <p:transition/>
     </mc:Fallback>
   </mc:AlternateContent>
@@ -5428,7 +6563,7 @@
               <a:defRPr lang="ko-KR" altLang="en-US"/>
             </a:pPr>
             <a:r>
-              <a:rPr altLang="en-US" smtClean="0"/>
+              <a:rPr altLang="en-US"/>
               <a:t>프로젝트 설계 및 구조</a:t>
             </a:r>
             <a:endParaRPr lang="ko-KR" altLang="en-US" dirty="0"/>
@@ -5451,10 +6586,9 @@
           <a:lstStyle/>
           <a:p>
             <a:r>
-              <a:rPr lang="ko-KR" altLang="en-US" dirty="0" smtClean="0"/>
+              <a:rPr lang="ko-KR" altLang="en-US" dirty="0"/>
               <a:t>폴더구조 및 역할구분</a:t>
             </a:r>
-            <a:endParaRPr lang="ko-KR" altLang="en-US" dirty="0"/>
           </a:p>
         </p:txBody>
       </p:sp>
@@ -5463,11 +6597,11 @@
   <p:clrMapOvr>
     <a:masterClrMapping/>
   </p:clrMapOvr>
-  <mc:AlternateContent xmlns:mc="http://schemas.openxmlformats.org/markup-compatibility/2006">
-    <mc:Choice xmlns="" xmlns:c="http://schemas.openxmlformats.org/drawingml/2006/chart" xmlns:dgm="http://schemas.openxmlformats.org/drawingml/2006/diagram" xmlns:dsp="http://schemas.microsoft.com/office/drawing/2008/diagram" xmlns:p14="http://schemas.microsoft.com/office/powerpoint/2010/main" Requires="p14">
-      <p:transition xmlns:mc="http://schemas.openxmlformats.org/markup-compatibility/2006" xmlns:p14="http://schemas.microsoft.com/office/powerpoint/2010/main" mc:Ignorable="p14" p14:dur="500"/>
+  <mc:AlternateContent xmlns:mc="http://schemas.openxmlformats.org/markup-compatibility/2006" xmlns:p14="http://schemas.microsoft.com/office/powerpoint/2010/main">
+    <mc:Choice Requires="p14">
+      <p:transition/>
     </mc:Choice>
-    <mc:Fallback>
+    <mc:Fallback xmlns="">
       <p:transition/>
     </mc:Fallback>
   </mc:AlternateContent>
@@ -5545,27 +6679,23 @@
               <a:defRPr lang="ko-KR" altLang="en-US"/>
             </a:pPr>
             <a:r>
-              <a:rPr lang="en-US" altLang="ko-KR" dirty="0" smtClean="0"/>
+              <a:rPr lang="en-US" altLang="ko-KR" dirty="0"/>
               <a:t>4</a:t>
             </a:r>
             <a:r>
-              <a:rPr lang="ko-KR" altLang="en-US" dirty="0" smtClean="0"/>
-              <a:t>. </a:t>
-            </a:r>
-            <a:r>
               <a:rPr lang="ko-KR" altLang="en-US" dirty="0"/>
-              <a:t>프로젝트 </a:t>
-            </a:r>
-            <a:r>
-              <a:rPr altLang="en-US" smtClean="0"/>
+              <a:t>. 프로젝트 </a:t>
+            </a:r>
+            <a:r>
+              <a:rPr altLang="en-US"/>
               <a:t>설계</a:t>
             </a:r>
             <a:r>
-              <a:rPr lang="en-US" altLang="en-US" dirty="0" smtClean="0"/>
+              <a:rPr lang="en-US" altLang="en-US" dirty="0"/>
               <a:t>/</a:t>
             </a:r>
             <a:r>
-              <a:rPr altLang="en-US" smtClean="0"/>
+              <a:rPr altLang="en-US"/>
               <a:t>구조 </a:t>
             </a:r>
             <a:endParaRPr lang="ko-KR" altLang="en-US" dirty="0"/>
@@ -5613,8 +6743,8 @@
         </p:nvSpPr>
         <p:spPr>
           <a:xfrm>
-            <a:off x="1500166" y="2752720"/>
-            <a:ext cx="4714908" cy="3365088"/>
+            <a:off x="1500166" y="2715649"/>
+            <a:ext cx="5160124" cy="3365088"/>
           </a:xfrm>
           <a:prstGeom prst="rect">
             <a:avLst/>
@@ -5633,14 +6763,14 @@
               </a:lnSpc>
             </a:pPr>
             <a:r>
-              <a:rPr lang="en-US" altLang="ko-KR" sz="2000" dirty="0" smtClean="0"/>
+              <a:rPr lang="en-US" altLang="ko-KR" sz="2000" dirty="0"/>
               <a:t>DB </a:t>
             </a:r>
             <a:r>
-              <a:rPr lang="ko-KR" altLang="en-US" sz="2000" dirty="0" smtClean="0"/>
+              <a:rPr lang="ko-KR" altLang="en-US" sz="2000" dirty="0"/>
               <a:t>스키마 및 초기설정</a:t>
             </a:r>
-            <a:endParaRPr lang="en-US" altLang="ko-KR" sz="2000" dirty="0" smtClean="0"/>
+            <a:endParaRPr lang="en-US" altLang="ko-KR" sz="2000" dirty="0"/>
           </a:p>
           <a:p>
             <a:pPr>
@@ -5649,10 +6779,10 @@
               </a:lnSpc>
             </a:pPr>
             <a:r>
-              <a:rPr lang="ko-KR" altLang="en-US" sz="2000" dirty="0" smtClean="0"/>
+              <a:rPr lang="ko-KR" altLang="en-US" sz="2000" dirty="0"/>
               <a:t>프로젝트 중 이슈 및 새로 알 게 된 것</a:t>
             </a:r>
-            <a:endParaRPr lang="en-US" altLang="ko-KR" sz="2000" dirty="0" smtClean="0"/>
+            <a:endParaRPr lang="en-US" altLang="ko-KR" sz="2000" dirty="0"/>
           </a:p>
           <a:p>
             <a:pPr>
@@ -5661,10 +6791,10 @@
               </a:lnSpc>
             </a:pPr>
             <a:r>
-              <a:rPr lang="ko-KR" altLang="en-US" sz="2000" dirty="0" smtClean="0"/>
+              <a:rPr lang="ko-KR" altLang="en-US" sz="2000" dirty="0"/>
               <a:t>프로젝트 별 환경변수 템플릿</a:t>
             </a:r>
-            <a:endParaRPr lang="en-US" altLang="ko-KR" sz="2000" dirty="0" smtClean="0"/>
+            <a:endParaRPr lang="en-US" altLang="ko-KR" sz="2000" dirty="0"/>
           </a:p>
           <a:p>
             <a:pPr>
@@ -5673,10 +6803,10 @@
               </a:lnSpc>
             </a:pPr>
             <a:r>
-              <a:rPr lang="ko-KR" altLang="en-US" sz="2000" dirty="0" smtClean="0"/>
+              <a:rPr lang="ko-KR" altLang="en-US" sz="2000" dirty="0"/>
               <a:t>개발 및 배포 환경 설정 관련 가이드</a:t>
             </a:r>
-            <a:endParaRPr lang="en-US" altLang="ko-KR" sz="2000" dirty="0" smtClean="0"/>
+            <a:endParaRPr lang="en-US" altLang="ko-KR" sz="2000" dirty="0"/>
           </a:p>
           <a:p>
             <a:pPr>
@@ -5685,34 +6815,34 @@
               </a:lnSpc>
             </a:pPr>
             <a:r>
-              <a:rPr lang="en-US" altLang="ko-KR" sz="2000" dirty="0" err="1" smtClean="0"/>
+              <a:rPr lang="en-US" altLang="ko-KR" sz="2000" dirty="0" err="1"/>
               <a:t>BackEnd</a:t>
             </a:r>
             <a:r>
-              <a:rPr lang="en-US" altLang="ko-KR" sz="2000" dirty="0" smtClean="0"/>
+              <a:rPr lang="en-US" altLang="ko-KR" sz="2000" dirty="0"/>
               <a:t> – </a:t>
             </a:r>
             <a:r>
-              <a:rPr lang="ko-KR" altLang="en-US" sz="2000" dirty="0" smtClean="0"/>
+              <a:rPr lang="ko-KR" altLang="en-US" sz="2000" dirty="0"/>
               <a:t>주로 </a:t>
             </a:r>
             <a:r>
-              <a:rPr lang="en-US" altLang="ko-KR" sz="2000" dirty="0" smtClean="0"/>
+              <a:rPr lang="en-US" altLang="ko-KR" sz="2000" dirty="0"/>
               <a:t>Oracle</a:t>
             </a:r>
             <a:r>
-              <a:rPr lang="ko-KR" altLang="en-US" sz="2000" dirty="0" smtClean="0"/>
+              <a:rPr lang="ko-KR" altLang="en-US" sz="2000" dirty="0"/>
               <a:t>과 통신</a:t>
             </a:r>
             <a:r>
-              <a:rPr lang="en-US" altLang="ko-KR" sz="2000" dirty="0" smtClean="0"/>
+              <a:rPr lang="en-US" altLang="ko-KR" sz="2000" dirty="0"/>
               <a:t>, </a:t>
             </a:r>
             <a:r>
-              <a:rPr lang="ko-KR" altLang="en-US" sz="2000" dirty="0" smtClean="0"/>
+              <a:rPr lang="ko-KR" altLang="en-US" sz="2000" dirty="0"/>
               <a:t>회원관리</a:t>
             </a:r>
-            <a:endParaRPr lang="en-US" altLang="ko-KR" sz="2000" dirty="0" smtClean="0"/>
+            <a:endParaRPr lang="en-US" altLang="ko-KR" sz="2000" dirty="0"/>
           </a:p>
           <a:p>
             <a:pPr>
@@ -5721,31 +6851,31 @@
               </a:lnSpc>
             </a:pPr>
             <a:r>
-              <a:rPr lang="en-US" altLang="ko-KR" sz="2000" dirty="0" err="1" smtClean="0"/>
+              <a:rPr lang="en-US" altLang="ko-KR" sz="2000" dirty="0" err="1"/>
               <a:t>BackEnd</a:t>
             </a:r>
             <a:r>
-              <a:rPr lang="en-US" altLang="ko-KR" sz="2000" dirty="0" smtClean="0"/>
+              <a:rPr lang="en-US" altLang="ko-KR" sz="2000" dirty="0"/>
               <a:t> – </a:t>
             </a:r>
             <a:r>
-              <a:rPr lang="ko-KR" altLang="en-US" sz="2000" dirty="0" smtClean="0"/>
+              <a:rPr lang="ko-KR" altLang="en-US" sz="2000" dirty="0"/>
               <a:t>주로 </a:t>
             </a:r>
             <a:r>
-              <a:rPr lang="en-US" altLang="ko-KR" sz="2000" dirty="0" err="1" smtClean="0"/>
+              <a:rPr lang="en-US" altLang="ko-KR" sz="2000" dirty="0" err="1"/>
               <a:t>OpenAI</a:t>
             </a:r>
             <a:r>
-              <a:rPr lang="en-US" altLang="ko-KR" sz="2000" dirty="0" smtClean="0"/>
+              <a:rPr lang="en-US" altLang="ko-KR" sz="2000" dirty="0"/>
               <a:t> </a:t>
             </a:r>
             <a:r>
-              <a:rPr lang="ko-KR" altLang="en-US" sz="2000" dirty="0" smtClean="0"/>
+              <a:rPr lang="ko-KR" altLang="en-US" sz="2000" dirty="0"/>
               <a:t>의 </a:t>
             </a:r>
             <a:r>
-              <a:rPr lang="en-US" altLang="ko-KR" sz="2000" dirty="0" smtClean="0"/>
+              <a:rPr lang="en-US" altLang="ko-KR" sz="2000" dirty="0"/>
               <a:t>Assistant API</a:t>
             </a:r>
           </a:p>
@@ -5756,18 +6886,18 @@
               </a:lnSpc>
             </a:pPr>
             <a:r>
-              <a:rPr lang="en-US" altLang="ko-KR" sz="2000" dirty="0" err="1" smtClean="0"/>
+              <a:rPr lang="en-US" altLang="ko-KR" sz="2000" dirty="0" err="1"/>
               <a:t>FrontEnd</a:t>
             </a:r>
             <a:r>
-              <a:rPr lang="en-US" altLang="ko-KR" sz="2000" dirty="0" smtClean="0"/>
+              <a:rPr lang="en-US" altLang="ko-KR" sz="2000" dirty="0"/>
               <a:t> – </a:t>
             </a:r>
             <a:r>
-              <a:rPr lang="ko-KR" altLang="en-US" sz="2000" dirty="0" smtClean="0"/>
+              <a:rPr lang="ko-KR" altLang="en-US" sz="2000" dirty="0"/>
               <a:t>화면 개발</a:t>
             </a:r>
-            <a:endParaRPr lang="en-US" altLang="ko-KR" sz="2000" dirty="0" smtClean="0"/>
+            <a:endParaRPr lang="en-US" altLang="ko-KR" sz="2000" dirty="0"/>
           </a:p>
           <a:p>
             <a:pPr>
@@ -5881,11 +7011,11 @@
   <p:clrMapOvr>
     <a:masterClrMapping/>
   </p:clrMapOvr>
-  <mc:AlternateContent xmlns:mc="http://schemas.openxmlformats.org/markup-compatibility/2006">
-    <mc:Choice xmlns="" xmlns:c="http://schemas.openxmlformats.org/drawingml/2006/chart" xmlns:dgm="http://schemas.openxmlformats.org/drawingml/2006/diagram" xmlns:dsp="http://schemas.microsoft.com/office/drawing/2008/diagram" xmlns:p14="http://schemas.microsoft.com/office/powerpoint/2010/main" Requires="p14">
-      <p:transition xmlns:mc="http://schemas.openxmlformats.org/markup-compatibility/2006" xmlns:p14="http://schemas.microsoft.com/office/powerpoint/2010/main" mc:Ignorable="p14" p14:dur="500"/>
+  <mc:AlternateContent xmlns:mc="http://schemas.openxmlformats.org/markup-compatibility/2006" xmlns:p14="http://schemas.microsoft.com/office/powerpoint/2010/main">
+    <mc:Choice Requires="p14">
+      <p:transition/>
     </mc:Choice>
-    <mc:Fallback>
+    <mc:Fallback xmlns="">
       <p:transition/>
     </mc:Fallback>
   </mc:AlternateContent>
@@ -5928,24 +7058,19 @@
               <a:defRPr lang="ko-KR" altLang="en-US"/>
             </a:pPr>
             <a:r>
-              <a:rPr lang="en-US" altLang="ko-KR" dirty="0" smtClean="0"/>
+              <a:rPr lang="en-US" altLang="ko-KR" dirty="0"/>
               <a:t>4</a:t>
             </a:r>
             <a:r>
-              <a:rPr lang="ko-KR" altLang="en-US" dirty="0" smtClean="0"/>
+              <a:rPr lang="ko-KR" altLang="en-US" dirty="0"/>
               <a:t>.</a:t>
             </a:r>
             <a:r>
-              <a:rPr lang="en-US" altLang="ko-KR" dirty="0" smtClean="0"/>
+              <a:rPr lang="en-US" altLang="ko-KR" dirty="0"/>
               <a:t>1. Flask – API </a:t>
             </a:r>
             <a:r>
-              <a:rPr smtClean="0"/>
-              <a:t>테스</a:t>
-            </a:r>
-            <a:r>
-              <a:rPr/>
-              <a:t>트</a:t>
+              <a:t>테스트</a:t>
             </a:r>
             <a:endParaRPr lang="ko-KR" altLang="en-US" dirty="0"/>
           </a:p>
@@ -6022,11 +7147,11 @@
   <p:clrMapOvr>
     <a:masterClrMapping/>
   </p:clrMapOvr>
-  <mc:AlternateContent xmlns:mc="http://schemas.openxmlformats.org/markup-compatibility/2006">
-    <mc:Choice xmlns="" xmlns:c="http://schemas.openxmlformats.org/drawingml/2006/chart" xmlns:dgm="http://schemas.openxmlformats.org/drawingml/2006/diagram" xmlns:dsp="http://schemas.microsoft.com/office/drawing/2008/diagram" xmlns:p14="http://schemas.microsoft.com/office/powerpoint/2010/main" Requires="p14">
-      <p:transition xmlns:mc="http://schemas.openxmlformats.org/markup-compatibility/2006" xmlns:p14="http://schemas.microsoft.com/office/powerpoint/2010/main" mc:Ignorable="p14" p14:dur="500"/>
+  <mc:AlternateContent xmlns:mc="http://schemas.openxmlformats.org/markup-compatibility/2006" xmlns:p14="http://schemas.microsoft.com/office/powerpoint/2010/main">
+    <mc:Choice Requires="p14">
+      <p:transition/>
     </mc:Choice>
-    <mc:Fallback>
+    <mc:Fallback xmlns="">
       <p:transition/>
     </mc:Fallback>
   </mc:AlternateContent>
@@ -6069,19 +7194,18 @@
               <a:defRPr lang="ko-KR" altLang="en-US"/>
             </a:pPr>
             <a:r>
-              <a:rPr lang="en-US" altLang="ko-KR" dirty="0" smtClean="0"/>
+              <a:rPr lang="en-US" altLang="ko-KR" dirty="0"/>
               <a:t>4</a:t>
             </a:r>
             <a:r>
-              <a:rPr lang="ko-KR" altLang="en-US" dirty="0" smtClean="0"/>
+              <a:rPr lang="ko-KR" altLang="en-US" dirty="0"/>
               <a:t>.</a:t>
             </a:r>
             <a:r>
-              <a:rPr lang="en-US" altLang="ko-KR" dirty="0" smtClean="0"/>
+              <a:rPr lang="en-US" altLang="ko-KR" dirty="0"/>
               <a:t>2. Express - </a:t>
             </a:r>
             <a:r>
-              <a:rPr smtClean="0"/>
               <a:t>회원관리</a:t>
             </a:r>
             <a:endParaRPr lang="ko-KR" altLang="en-US" dirty="0"/>
@@ -6177,165 +7301,165 @@
           <a:lstStyle/>
           <a:p>
             <a:r>
-              <a:rPr lang="en-US" altLang="ko-KR" dirty="0" err="1" smtClean="0"/>
+              <a:rPr lang="en-US" altLang="ko-KR" dirty="0" err="1"/>
               <a:t>server.ts</a:t>
             </a:r>
             <a:r>
-              <a:rPr lang="ko-KR" altLang="en-US" dirty="0" smtClean="0"/>
+              <a:rPr lang="ko-KR" altLang="en-US" dirty="0"/>
               <a:t> </a:t>
             </a:r>
             <a:r>
-              <a:rPr lang="en-US" altLang="ko-KR" dirty="0" smtClean="0"/>
+              <a:rPr lang="en-US" altLang="ko-KR" dirty="0"/>
               <a:t>: </a:t>
             </a:r>
             <a:r>
-              <a:rPr lang="en-US" altLang="ko-KR" dirty="0" err="1" smtClean="0"/>
+              <a:rPr lang="en-US" altLang="ko-KR" dirty="0" err="1"/>
               <a:t>app.ts</a:t>
             </a:r>
             <a:r>
-              <a:rPr lang="ko-KR" altLang="en-US" dirty="0" smtClean="0"/>
+              <a:rPr lang="ko-KR" altLang="en-US" dirty="0"/>
               <a:t> 호출하여 서버 시작</a:t>
             </a:r>
-            <a:endParaRPr lang="en-US" altLang="ko-KR" dirty="0" smtClean="0"/>
-          </a:p>
-          <a:p>
-            <a:endParaRPr lang="en-US" altLang="ko-KR" dirty="0" smtClean="0"/>
-          </a:p>
-          <a:p>
-            <a:r>
-              <a:rPr lang="en-US" altLang="ko-KR" dirty="0" err="1" smtClean="0"/>
+            <a:endParaRPr lang="en-US" altLang="ko-KR" dirty="0"/>
+          </a:p>
+          <a:p>
+            <a:endParaRPr lang="en-US" altLang="ko-KR" dirty="0"/>
+          </a:p>
+          <a:p>
+            <a:r>
+              <a:rPr lang="en-US" altLang="ko-KR" dirty="0" err="1"/>
               <a:t>app.ts</a:t>
             </a:r>
             <a:r>
-              <a:rPr lang="en-US" altLang="ko-KR" dirty="0" smtClean="0"/>
+              <a:rPr lang="en-US" altLang="ko-KR" dirty="0"/>
               <a:t> : </a:t>
             </a:r>
             <a:r>
-              <a:rPr lang="ko-KR" altLang="en-US" dirty="0" smtClean="0"/>
+              <a:rPr lang="ko-KR" altLang="en-US" dirty="0"/>
               <a:t>환경설정 및 </a:t>
             </a:r>
             <a:r>
-              <a:rPr lang="ko-KR" altLang="en-US" dirty="0" err="1" smtClean="0"/>
+              <a:rPr lang="ko-KR" altLang="en-US" dirty="0" err="1"/>
               <a:t>라우터</a:t>
             </a:r>
             <a:r>
-              <a:rPr lang="ko-KR" altLang="en-US" dirty="0" smtClean="0"/>
+              <a:rPr lang="ko-KR" altLang="en-US" dirty="0"/>
               <a:t> 설정</a:t>
             </a:r>
-            <a:endParaRPr lang="en-US" altLang="ko-KR" dirty="0" smtClean="0"/>
-          </a:p>
-          <a:p>
-            <a:endParaRPr lang="en-US" altLang="ko-KR" dirty="0" smtClean="0"/>
-          </a:p>
-          <a:p>
-            <a:r>
-              <a:rPr lang="en-US" altLang="ko-KR" dirty="0" err="1" smtClean="0"/>
+            <a:endParaRPr lang="en-US" altLang="ko-KR" dirty="0"/>
+          </a:p>
+          <a:p>
+            <a:endParaRPr lang="en-US" altLang="ko-KR" dirty="0"/>
+          </a:p>
+          <a:p>
+            <a:r>
+              <a:rPr lang="en-US" altLang="ko-KR" dirty="0" err="1"/>
               <a:t>userRoutes.ts</a:t>
             </a:r>
             <a:r>
-              <a:rPr lang="en-US" altLang="ko-KR" dirty="0" smtClean="0"/>
+              <a:rPr lang="en-US" altLang="ko-KR" dirty="0"/>
               <a:t> : </a:t>
             </a:r>
           </a:p>
           <a:p>
             <a:r>
-              <a:rPr lang="en-US" altLang="ko-KR" dirty="0" smtClean="0"/>
+              <a:rPr lang="en-US" altLang="ko-KR" dirty="0"/>
               <a:t> - </a:t>
             </a:r>
             <a:r>
-              <a:rPr lang="en-US" altLang="ko-KR" dirty="0" err="1" smtClean="0"/>
+              <a:rPr lang="en-US" altLang="ko-KR" dirty="0" err="1"/>
               <a:t>UserController.ts</a:t>
             </a:r>
             <a:r>
-              <a:rPr lang="en-US" altLang="ko-KR" dirty="0" smtClean="0"/>
+              <a:rPr lang="en-US" altLang="ko-KR" dirty="0"/>
               <a:t> </a:t>
             </a:r>
             <a:r>
-              <a:rPr lang="ko-KR" altLang="en-US" dirty="0" smtClean="0"/>
+              <a:rPr lang="ko-KR" altLang="en-US" dirty="0"/>
               <a:t>호출하여</a:t>
             </a:r>
-            <a:endParaRPr lang="en-US" altLang="ko-KR" dirty="0" smtClean="0"/>
-          </a:p>
-          <a:p>
-            <a:r>
-              <a:rPr lang="ko-KR" altLang="en-US" dirty="0" smtClean="0"/>
+            <a:endParaRPr lang="en-US" altLang="ko-KR" dirty="0"/>
+          </a:p>
+          <a:p>
+            <a:r>
+              <a:rPr lang="ko-KR" altLang="en-US" dirty="0"/>
               <a:t> </a:t>
             </a:r>
             <a:r>
-              <a:rPr lang="en-US" altLang="ko-KR" dirty="0" smtClean="0"/>
+              <a:rPr lang="en-US" altLang="ko-KR" dirty="0"/>
               <a:t>  </a:t>
             </a:r>
             <a:r>
-              <a:rPr lang="ko-KR" altLang="en-US" dirty="0" err="1" smtClean="0"/>
+              <a:rPr lang="ko-KR" altLang="en-US" dirty="0" err="1"/>
               <a:t>엔드포인트</a:t>
             </a:r>
             <a:r>
-              <a:rPr lang="ko-KR" altLang="en-US" dirty="0" smtClean="0"/>
+              <a:rPr lang="ko-KR" altLang="en-US" dirty="0"/>
               <a:t> 별 요청을 처리</a:t>
             </a:r>
-            <a:endParaRPr lang="en-US" altLang="ko-KR" dirty="0" smtClean="0"/>
-          </a:p>
-          <a:p>
-            <a:endParaRPr lang="en-US" altLang="ko-KR" dirty="0" smtClean="0"/>
-          </a:p>
-          <a:p>
-            <a:r>
-              <a:rPr lang="en-US" altLang="ko-KR" dirty="0" err="1" smtClean="0"/>
+            <a:endParaRPr lang="en-US" altLang="ko-KR" dirty="0"/>
+          </a:p>
+          <a:p>
+            <a:endParaRPr lang="en-US" altLang="ko-KR" dirty="0"/>
+          </a:p>
+          <a:p>
+            <a:r>
+              <a:rPr lang="en-US" altLang="ko-KR" dirty="0" err="1"/>
               <a:t>UserController.ts</a:t>
             </a:r>
             <a:r>
-              <a:rPr lang="en-US" altLang="ko-KR" dirty="0" smtClean="0"/>
+              <a:rPr lang="en-US" altLang="ko-KR" dirty="0"/>
               <a:t> : </a:t>
             </a:r>
           </a:p>
           <a:p>
             <a:r>
-              <a:rPr lang="en-US" altLang="ko-KR" dirty="0" smtClean="0"/>
+              <a:rPr lang="en-US" altLang="ko-KR" dirty="0"/>
               <a:t> - </a:t>
             </a:r>
             <a:r>
-              <a:rPr lang="en-US" altLang="ko-KR" dirty="0" err="1" smtClean="0"/>
+              <a:rPr lang="en-US" altLang="ko-KR" dirty="0" err="1"/>
               <a:t>UserService.ts</a:t>
             </a:r>
             <a:r>
-              <a:rPr lang="ko-KR" altLang="en-US" dirty="0" smtClean="0"/>
+              <a:rPr lang="ko-KR" altLang="en-US" dirty="0"/>
               <a:t> 호출하여</a:t>
             </a:r>
-            <a:endParaRPr lang="en-US" altLang="ko-KR" dirty="0" smtClean="0"/>
-          </a:p>
-          <a:p>
-            <a:r>
-              <a:rPr lang="ko-KR" altLang="en-US" dirty="0" smtClean="0"/>
+            <a:endParaRPr lang="en-US" altLang="ko-KR" dirty="0"/>
+          </a:p>
+          <a:p>
+            <a:r>
+              <a:rPr lang="ko-KR" altLang="en-US" dirty="0"/>
               <a:t>  </a:t>
             </a:r>
             <a:r>
-              <a:rPr lang="en-US" altLang="ko-KR" dirty="0" smtClean="0"/>
+              <a:rPr lang="en-US" altLang="ko-KR" dirty="0"/>
               <a:t> </a:t>
             </a:r>
             <a:r>
-              <a:rPr lang="ko-KR" altLang="en-US" dirty="0" smtClean="0"/>
+              <a:rPr lang="ko-KR" altLang="en-US" dirty="0"/>
               <a:t>비즈니스 </a:t>
             </a:r>
             <a:r>
-              <a:rPr lang="ko-KR" altLang="en-US" dirty="0" err="1" smtClean="0"/>
+              <a:rPr lang="ko-KR" altLang="en-US" dirty="0" err="1"/>
               <a:t>로직을</a:t>
             </a:r>
             <a:r>
-              <a:rPr lang="ko-KR" altLang="en-US" dirty="0" smtClean="0"/>
+              <a:rPr lang="ko-KR" altLang="en-US" dirty="0"/>
               <a:t> 처리</a:t>
             </a:r>
-            <a:endParaRPr lang="en-US" altLang="ko-KR" dirty="0" smtClean="0"/>
-          </a:p>
-          <a:p>
-            <a:endParaRPr lang="en-US" altLang="ko-KR" dirty="0" smtClean="0"/>
-          </a:p>
-          <a:p>
-            <a:r>
-              <a:rPr lang="en-US" altLang="ko-KR" dirty="0" err="1" smtClean="0"/>
+            <a:endParaRPr lang="en-US" altLang="ko-KR" dirty="0"/>
+          </a:p>
+          <a:p>
+            <a:endParaRPr lang="en-US" altLang="ko-KR" dirty="0"/>
+          </a:p>
+          <a:p>
+            <a:r>
+              <a:rPr lang="en-US" altLang="ko-KR" dirty="0" err="1"/>
               <a:t>UserService.ts</a:t>
             </a:r>
             <a:r>
-              <a:rPr lang="en-US" altLang="ko-KR" dirty="0" smtClean="0"/>
+              <a:rPr lang="en-US" altLang="ko-KR" dirty="0"/>
               <a:t> : </a:t>
             </a:r>
           </a:p>
@@ -6345,61 +7469,60 @@
               <a:buChar char="-"/>
             </a:pPr>
             <a:r>
-              <a:rPr lang="en-US" altLang="ko-KR" dirty="0" smtClean="0"/>
+              <a:rPr lang="en-US" altLang="ko-KR" dirty="0"/>
               <a:t> </a:t>
             </a:r>
             <a:r>
-              <a:rPr lang="en-US" altLang="ko-KR" dirty="0" err="1" smtClean="0"/>
+              <a:rPr lang="en-US" altLang="ko-KR" dirty="0" err="1"/>
               <a:t>UserModel.ts</a:t>
             </a:r>
             <a:r>
-              <a:rPr lang="en-US" altLang="ko-KR" dirty="0" smtClean="0"/>
+              <a:rPr lang="en-US" altLang="ko-KR" dirty="0"/>
               <a:t> </a:t>
             </a:r>
             <a:r>
-              <a:rPr lang="ko-KR" altLang="en-US" dirty="0" smtClean="0"/>
+              <a:rPr lang="ko-KR" altLang="en-US" dirty="0"/>
               <a:t>호출하여</a:t>
             </a:r>
-            <a:endParaRPr lang="en-US" altLang="ko-KR" dirty="0" smtClean="0"/>
-          </a:p>
-          <a:p>
-            <a:r>
-              <a:rPr lang="ko-KR" altLang="en-US" dirty="0" smtClean="0"/>
+            <a:endParaRPr lang="en-US" altLang="ko-KR" dirty="0"/>
+          </a:p>
+          <a:p>
+            <a:r>
+              <a:rPr lang="ko-KR" altLang="en-US" dirty="0"/>
               <a:t>  데이터베이스와 상호작용</a:t>
             </a:r>
-            <a:endParaRPr lang="en-US" altLang="ko-KR" dirty="0" smtClean="0"/>
-          </a:p>
-          <a:p>
-            <a:endParaRPr lang="en-US" altLang="ko-KR" dirty="0" smtClean="0"/>
-          </a:p>
-          <a:p>
-            <a:r>
-              <a:rPr lang="en-US" altLang="ko-KR" dirty="0" err="1" smtClean="0"/>
+            <a:endParaRPr lang="en-US" altLang="ko-KR" dirty="0"/>
+          </a:p>
+          <a:p>
+            <a:endParaRPr lang="en-US" altLang="ko-KR" dirty="0"/>
+          </a:p>
+          <a:p>
+            <a:r>
+              <a:rPr lang="en-US" altLang="ko-KR" dirty="0" err="1"/>
               <a:t>UserModel.ts</a:t>
             </a:r>
             <a:r>
-              <a:rPr lang="en-US" altLang="ko-KR" dirty="0" smtClean="0"/>
+              <a:rPr lang="en-US" altLang="ko-KR" dirty="0"/>
               <a:t> : </a:t>
             </a:r>
           </a:p>
           <a:p>
             <a:r>
-              <a:rPr lang="en-US" altLang="ko-KR" dirty="0" smtClean="0"/>
+              <a:rPr lang="en-US" altLang="ko-KR" dirty="0"/>
               <a:t>- </a:t>
             </a:r>
             <a:r>
-              <a:rPr lang="ko-KR" altLang="en-US" dirty="0" smtClean="0"/>
+              <a:rPr lang="ko-KR" altLang="en-US" dirty="0"/>
               <a:t>데이터베이스에 연결하여 </a:t>
             </a:r>
             <a:r>
-              <a:rPr lang="en-US" altLang="ko-KR" dirty="0" smtClean="0"/>
+              <a:rPr lang="en-US" altLang="ko-KR" dirty="0"/>
               <a:t>SQL </a:t>
             </a:r>
             <a:r>
-              <a:rPr lang="ko-KR" altLang="en-US" dirty="0" smtClean="0"/>
+              <a:rPr lang="ko-KR" altLang="en-US" dirty="0"/>
               <a:t>실행</a:t>
             </a:r>
-            <a:endParaRPr lang="ko-KR" altLang="en-US" dirty="0"/>
           </a:p>
         </p:txBody>
       </p:sp>
@@ -6408,11 +7531,11 @@
   <p:clrMapOvr>
     <a:masterClrMapping/>
   </p:clrMapOvr>
-  <mc:AlternateContent xmlns:mc="http://schemas.openxmlformats.org/markup-compatibility/2006">
-    <mc:Choice xmlns="" xmlns:c="http://schemas.openxmlformats.org/drawingml/2006/chart" xmlns:dgm="http://schemas.openxmlformats.org/drawingml/2006/diagram" xmlns:dsp="http://schemas.microsoft.com/office/drawing/2008/diagram" xmlns:p14="http://schemas.microsoft.com/office/powerpoint/2010/main" Requires="p14">
-      <p:transition xmlns:mc="http://schemas.openxmlformats.org/markup-compatibility/2006" xmlns:p14="http://schemas.microsoft.com/office/powerpoint/2010/main" mc:Ignorable="p14" p14:dur="500"/>
+  <mc:AlternateContent xmlns:mc="http://schemas.openxmlformats.org/markup-compatibility/2006" xmlns:p14="http://schemas.microsoft.com/office/powerpoint/2010/main">
+    <mc:Choice Requires="p14">
+      <p:transition/>
     </mc:Choice>
-    <mc:Fallback>
+    <mc:Fallback xmlns="">
       <p:transition/>
     </mc:Fallback>
   </mc:AlternateContent>
@@ -6460,14 +7583,9 @@
           <a:p>
             <a:r>
               <a:rPr lang="en-US" altLang="ko-KR" dirty="0"/>
-              <a:t>4.2. Express -</a:t>
-            </a:r>
-            <a:r>
-              <a:rPr lang="en-US" altLang="ko-KR" dirty="0" smtClean="0"/>
-              <a:t> </a:t>
-            </a:r>
-            <a:r>
-              <a:rPr smtClean="0"/>
+              <a:t>4.2. Express - </a:t>
+            </a:r>
+            <a:r>
               <a:t>회원관리  </a:t>
             </a:r>
             <a:endParaRPr lang="ko-KR" altLang="en-US" dirty="0"/>
@@ -6563,18 +7681,13 @@
           <a:lstStyle/>
           <a:p>
             <a:r>
-              <a:rPr lang="en-US" altLang="ko-KR" dirty="0" smtClean="0"/>
+              <a:rPr lang="en-US" altLang="ko-KR" dirty="0"/>
               <a:t>DB</a:t>
             </a:r>
             <a:r>
-              <a:rPr lang="ko-KR" altLang="en-US" dirty="0" smtClean="0"/>
-              <a:t>에 </a:t>
-            </a:r>
-            <a:r>
-              <a:rPr lang="ko-KR" altLang="en-US" dirty="0" smtClean="0"/>
-              <a:t>비밀번호 암호화해서 저장하기</a:t>
-            </a:r>
-            <a:endParaRPr lang="ko-KR" altLang="en-US" dirty="0"/>
+              <a:rPr lang="ko-KR" altLang="en-US" dirty="0"/>
+              <a:t>에 비밀번호 암호화해서 저장하기</a:t>
+            </a:r>
           </a:p>
         </p:txBody>
       </p:sp>
@@ -6630,19 +7743,18 @@
               <a:defRPr lang="ko-KR" altLang="en-US"/>
             </a:pPr>
             <a:r>
-              <a:rPr lang="en-US" altLang="ko-KR" dirty="0" smtClean="0"/>
+              <a:rPr lang="en-US" altLang="ko-KR" dirty="0"/>
               <a:t>4</a:t>
             </a:r>
             <a:r>
-              <a:rPr lang="ko-KR" altLang="en-US" dirty="0" smtClean="0"/>
+              <a:rPr lang="ko-KR" altLang="en-US" dirty="0"/>
               <a:t>.</a:t>
             </a:r>
             <a:r>
-              <a:rPr lang="en-US" altLang="ko-KR" dirty="0" smtClean="0"/>
+              <a:rPr lang="en-US" altLang="ko-KR" dirty="0"/>
               <a:t>3. React – </a:t>
             </a:r>
             <a:r>
-              <a:rPr smtClean="0"/>
               <a:t>화면 개발 및 요청 처리</a:t>
             </a:r>
             <a:endParaRPr lang="ko-KR" altLang="en-US" dirty="0"/>
@@ -6819,11 +7931,11 @@
   <p:clrMapOvr>
     <a:masterClrMapping/>
   </p:clrMapOvr>
-  <mc:AlternateContent xmlns:mc="http://schemas.openxmlformats.org/markup-compatibility/2006">
-    <mc:Choice xmlns="" xmlns:c="http://schemas.openxmlformats.org/drawingml/2006/chart" xmlns:dgm="http://schemas.openxmlformats.org/drawingml/2006/diagram" xmlns:dsp="http://schemas.microsoft.com/office/drawing/2008/diagram" xmlns:p14="http://schemas.microsoft.com/office/powerpoint/2010/main" Requires="p14">
-      <p:transition xmlns:mc="http://schemas.openxmlformats.org/markup-compatibility/2006" xmlns:p14="http://schemas.microsoft.com/office/powerpoint/2010/main" mc:Ignorable="p14" p14:dur="500"/>
+  <mc:AlternateContent xmlns:mc="http://schemas.openxmlformats.org/markup-compatibility/2006" xmlns:p14="http://schemas.microsoft.com/office/powerpoint/2010/main">
+    <mc:Choice Requires="p14">
+      <p:transition/>
     </mc:Choice>
-    <mc:Fallback>
+    <mc:Fallback xmlns="">
       <p:transition/>
     </mc:Fallback>
   </mc:AlternateContent>
@@ -7037,4 +8149,299 @@
   <a:objectDefaults/>
   <a:extraClrSchemeLst/>
 </a:theme>
+</file>
+
+<file path=ppt/theme/theme2.xml><?xml version="1.0" encoding="utf-8"?>
+<a:theme xmlns:a="http://schemas.openxmlformats.org/drawingml/2006/main" name="Office 테마">
+  <a:themeElements>
+    <a:clrScheme name="Office">
+      <a:dk1>
+        <a:sysClr val="windowText" lastClr="000000"/>
+      </a:dk1>
+      <a:lt1>
+        <a:sysClr val="window" lastClr="FFFFFF"/>
+      </a:lt1>
+      <a:dk2>
+        <a:srgbClr val="44546A"/>
+      </a:dk2>
+      <a:lt2>
+        <a:srgbClr val="E7E6E6"/>
+      </a:lt2>
+      <a:accent1>
+        <a:srgbClr val="4472C4"/>
+      </a:accent1>
+      <a:accent2>
+        <a:srgbClr val="ED7D31"/>
+      </a:accent2>
+      <a:accent3>
+        <a:srgbClr val="A5A5A5"/>
+      </a:accent3>
+      <a:accent4>
+        <a:srgbClr val="FFC000"/>
+      </a:accent4>
+      <a:accent5>
+        <a:srgbClr val="5B9BD5"/>
+      </a:accent5>
+      <a:accent6>
+        <a:srgbClr val="70AD47"/>
+      </a:accent6>
+      <a:hlink>
+        <a:srgbClr val="0563C1"/>
+      </a:hlink>
+      <a:folHlink>
+        <a:srgbClr val="954F72"/>
+      </a:folHlink>
+    </a:clrScheme>
+    <a:fontScheme name="Office">
+      <a:majorFont>
+        <a:latin typeface="맑은 고딕" panose="020F0302020204030204"/>
+        <a:ea typeface=""/>
+        <a:cs typeface=""/>
+        <a:font script="Jpan" typeface="游ゴシック Light"/>
+        <a:font script="Hang" typeface="맑은 고딕"/>
+        <a:font script="Hans" typeface="等线 Light"/>
+        <a:font script="Hant" typeface="新細明體"/>
+        <a:font script="Arab" typeface="Times New Roman"/>
+        <a:font script="Hebr" typeface="Times New Roman"/>
+        <a:font script="Thai" typeface="Angsana New"/>
+        <a:font script="Ethi" typeface="Nyala"/>
+        <a:font script="Beng" typeface="Vrinda"/>
+        <a:font script="Gujr" typeface="Shruti"/>
+        <a:font script="Khmr" typeface="MoolBoran"/>
+        <a:font script="Knda" typeface="Tunga"/>
+        <a:font script="Guru" typeface="Raavi"/>
+        <a:font script="Cans" typeface="Euphemia"/>
+        <a:font script="Cher" typeface="Plantagenet Cherokee"/>
+        <a:font script="Yiii" typeface="Microsoft Yi Baiti"/>
+        <a:font script="Tibt" typeface="Microsoft Himalaya"/>
+        <a:font script="Thaa" typeface="MV Boli"/>
+        <a:font script="Deva" typeface="Mangal"/>
+        <a:font script="Telu" typeface="Gautami"/>
+        <a:font script="Taml" typeface="Latha"/>
+        <a:font script="Syrc" typeface="Estrangelo Edessa"/>
+        <a:font script="Orya" typeface="Kalinga"/>
+        <a:font script="Mlym" typeface="Kartika"/>
+        <a:font script="Laoo" typeface="DokChampa"/>
+        <a:font script="Sinh" typeface="Iskoola Pota"/>
+        <a:font script="Mong" typeface="Mongolian Baiti"/>
+        <a:font script="Viet" typeface="Times New Roman"/>
+        <a:font script="Uigh" typeface="Microsoft Uighur"/>
+        <a:font script="Geor" typeface="Sylfaen"/>
+        <a:font script="Armn" typeface="Arial"/>
+        <a:font script="Bugi" typeface="Leelawadee UI"/>
+        <a:font script="Bopo" typeface="Microsoft JhengHei"/>
+        <a:font script="Java" typeface="Javanese Text"/>
+        <a:font script="Lisu" typeface="Segoe UI"/>
+        <a:font script="Mymr" typeface="Myanmar Text"/>
+        <a:font script="Nkoo" typeface="Ebrima"/>
+        <a:font script="Olck" typeface="Nirmala UI"/>
+        <a:font script="Osma" typeface="Ebrima"/>
+        <a:font script="Phag" typeface="Phagspa"/>
+        <a:font script="Syrn" typeface="Estrangelo Edessa"/>
+        <a:font script="Syrj" typeface="Estrangelo Edessa"/>
+        <a:font script="Syre" typeface="Estrangelo Edessa"/>
+        <a:font script="Sora" typeface="Nirmala UI"/>
+        <a:font script="Tale" typeface="Microsoft Tai Le"/>
+        <a:font script="Talu" typeface="Microsoft New Tai Lue"/>
+        <a:font script="Tfng" typeface="Ebrima"/>
+      </a:majorFont>
+      <a:minorFont>
+        <a:latin typeface="맑은 고딕" panose="020F0502020204030204"/>
+        <a:ea typeface=""/>
+        <a:cs typeface=""/>
+        <a:font script="Jpan" typeface="游ゴシック"/>
+        <a:font script="Hang" typeface="맑은 고딕"/>
+        <a:font script="Hans" typeface="等线"/>
+        <a:font script="Hant" typeface="新細明體"/>
+        <a:font script="Arab" typeface="Arial"/>
+        <a:font script="Hebr" typeface="Arial"/>
+        <a:font script="Thai" typeface="Cordia New"/>
+        <a:font script="Ethi" typeface="Nyala"/>
+        <a:font script="Beng" typeface="Vrinda"/>
+        <a:font script="Gujr" typeface="Shruti"/>
+        <a:font script="Khmr" typeface="DaunPenh"/>
+        <a:font script="Knda" typeface="Tunga"/>
+        <a:font script="Guru" typeface="Raavi"/>
+        <a:font script="Cans" typeface="Euphemia"/>
+        <a:font script="Cher" typeface="Plantagenet Cherokee"/>
+        <a:font script="Yiii" typeface="Microsoft Yi Baiti"/>
+        <a:font script="Tibt" typeface="Microsoft Himalaya"/>
+        <a:font script="Thaa" typeface="MV Boli"/>
+        <a:font script="Deva" typeface="Mangal"/>
+        <a:font script="Telu" typeface="Gautami"/>
+        <a:font script="Taml" typeface="Latha"/>
+        <a:font script="Syrc" typeface="Estrangelo Edessa"/>
+        <a:font script="Orya" typeface="Kalinga"/>
+        <a:font script="Mlym" typeface="Kartika"/>
+        <a:font script="Laoo" typeface="DokChampa"/>
+        <a:font script="Sinh" typeface="Iskoola Pota"/>
+        <a:font script="Mong" typeface="Mongolian Baiti"/>
+        <a:font script="Viet" typeface="Arial"/>
+        <a:font script="Uigh" typeface="Microsoft Uighur"/>
+        <a:font script="Geor" typeface="Sylfaen"/>
+        <a:font script="Armn" typeface="Arial"/>
+        <a:font script="Bugi" typeface="Leelawadee UI"/>
+        <a:font script="Bopo" typeface="Microsoft JhengHei"/>
+        <a:font script="Java" typeface="Javanese Text"/>
+        <a:font script="Lisu" typeface="Segoe UI"/>
+        <a:font script="Mymr" typeface="Myanmar Text"/>
+        <a:font script="Nkoo" typeface="Ebrima"/>
+        <a:font script="Olck" typeface="Nirmala UI"/>
+        <a:font script="Osma" typeface="Ebrima"/>
+        <a:font script="Phag" typeface="Phagspa"/>
+        <a:font script="Syrn" typeface="Estrangelo Edessa"/>
+        <a:font script="Syrj" typeface="Estrangelo Edessa"/>
+        <a:font script="Syre" typeface="Estrangelo Edessa"/>
+        <a:font script="Sora" typeface="Nirmala UI"/>
+        <a:font script="Tale" typeface="Microsoft Tai Le"/>
+        <a:font script="Talu" typeface="Microsoft New Tai Lue"/>
+        <a:font script="Tfng" typeface="Ebrima"/>
+      </a:minorFont>
+    </a:fontScheme>
+    <a:fmtScheme name="Office">
+      <a:fillStyleLst>
+        <a:solidFill>
+          <a:schemeClr val="phClr"/>
+        </a:solidFill>
+        <a:gradFill rotWithShape="1">
+          <a:gsLst>
+            <a:gs pos="0">
+              <a:schemeClr val="phClr">
+                <a:lumMod val="110000"/>
+                <a:satMod val="105000"/>
+                <a:tint val="67000"/>
+              </a:schemeClr>
+            </a:gs>
+            <a:gs pos="50000">
+              <a:schemeClr val="phClr">
+                <a:lumMod val="105000"/>
+                <a:satMod val="103000"/>
+                <a:tint val="73000"/>
+              </a:schemeClr>
+            </a:gs>
+            <a:gs pos="100000">
+              <a:schemeClr val="phClr">
+                <a:lumMod val="105000"/>
+                <a:satMod val="109000"/>
+                <a:tint val="81000"/>
+              </a:schemeClr>
+            </a:gs>
+          </a:gsLst>
+          <a:lin ang="5400000" scaled="0"/>
+        </a:gradFill>
+        <a:gradFill rotWithShape="1">
+          <a:gsLst>
+            <a:gs pos="0">
+              <a:schemeClr val="phClr">
+                <a:satMod val="103000"/>
+                <a:lumMod val="102000"/>
+                <a:tint val="94000"/>
+              </a:schemeClr>
+            </a:gs>
+            <a:gs pos="50000">
+              <a:schemeClr val="phClr">
+                <a:satMod val="110000"/>
+                <a:lumMod val="100000"/>
+                <a:shade val="100000"/>
+              </a:schemeClr>
+            </a:gs>
+            <a:gs pos="100000">
+              <a:schemeClr val="phClr">
+                <a:lumMod val="99000"/>
+                <a:satMod val="120000"/>
+                <a:shade val="78000"/>
+              </a:schemeClr>
+            </a:gs>
+          </a:gsLst>
+          <a:lin ang="5400000" scaled="0"/>
+        </a:gradFill>
+      </a:fillStyleLst>
+      <a:lnStyleLst>
+        <a:ln w="6350" cap="flat" cmpd="sng" algn="ctr">
+          <a:solidFill>
+            <a:schemeClr val="phClr"/>
+          </a:solidFill>
+          <a:prstDash val="solid"/>
+          <a:miter lim="800000"/>
+        </a:ln>
+        <a:ln w="12700" cap="flat" cmpd="sng" algn="ctr">
+          <a:solidFill>
+            <a:schemeClr val="phClr"/>
+          </a:solidFill>
+          <a:prstDash val="solid"/>
+          <a:miter lim="800000"/>
+        </a:ln>
+        <a:ln w="19050" cap="flat" cmpd="sng" algn="ctr">
+          <a:solidFill>
+            <a:schemeClr val="phClr"/>
+          </a:solidFill>
+          <a:prstDash val="solid"/>
+          <a:miter lim="800000"/>
+        </a:ln>
+      </a:lnStyleLst>
+      <a:effectStyleLst>
+        <a:effectStyle>
+          <a:effectLst/>
+        </a:effectStyle>
+        <a:effectStyle>
+          <a:effectLst/>
+        </a:effectStyle>
+        <a:effectStyle>
+          <a:effectLst>
+            <a:outerShdw blurRad="57150" dist="19050" dir="5400000" algn="ctr" rotWithShape="0">
+              <a:srgbClr val="000000">
+                <a:alpha val="63000"/>
+              </a:srgbClr>
+            </a:outerShdw>
+          </a:effectLst>
+        </a:effectStyle>
+      </a:effectStyleLst>
+      <a:bgFillStyleLst>
+        <a:solidFill>
+          <a:schemeClr val="phClr"/>
+        </a:solidFill>
+        <a:solidFill>
+          <a:schemeClr val="phClr">
+            <a:tint val="95000"/>
+            <a:satMod val="170000"/>
+          </a:schemeClr>
+        </a:solidFill>
+        <a:gradFill rotWithShape="1">
+          <a:gsLst>
+            <a:gs pos="0">
+              <a:schemeClr val="phClr">
+                <a:tint val="93000"/>
+                <a:satMod val="150000"/>
+                <a:shade val="98000"/>
+                <a:lumMod val="102000"/>
+              </a:schemeClr>
+            </a:gs>
+            <a:gs pos="50000">
+              <a:schemeClr val="phClr">
+                <a:tint val="98000"/>
+                <a:satMod val="130000"/>
+                <a:shade val="90000"/>
+                <a:lumMod val="103000"/>
+              </a:schemeClr>
+            </a:gs>
+            <a:gs pos="100000">
+              <a:schemeClr val="phClr">
+                <a:shade val="63000"/>
+                <a:satMod val="120000"/>
+              </a:schemeClr>
+            </a:gs>
+          </a:gsLst>
+          <a:lin ang="5400000" scaled="0"/>
+        </a:gradFill>
+      </a:bgFillStyleLst>
+    </a:fmtScheme>
+  </a:themeElements>
+  <a:objectDefaults/>
+  <a:extraClrSchemeLst/>
+  <a:extLst>
+    <a:ext uri="{05A4C25C-085E-4340-85A3-A5531E510DB2}">
+      <thm15:themeFamily xmlns:thm15="http://schemas.microsoft.com/office/thememl/2012/main" name="Office Theme" id="{62F939B6-93AF-4DB8-9C6B-D6C7DFDC589F}" vid="{4A3C46E8-61CC-4603-A589-7422A47A8E4A}"/>
+    </a:ext>
+  </a:extLst>
+</a:theme>
 </file>